--- a/Presentation/COMP6600_Final.pptx
+++ b/Presentation/COMP6600_Final.pptx
@@ -108,6 +108,11 @@
       </a:defRPr>
     </a:lvl9pPr>
   </p:defaultTextStyle>
+  <p:extLst>
+    <p:ext uri="{EFAFB233-063F-42B5-8137-9DF3F51BA10A}">
+      <p15:sldGuideLst xmlns:p15="http://schemas.microsoft.com/office/powerpoint/2012/main"/>
+    </p:ext>
+  </p:extLst>
 </p:presentation>
 </file>
 
@@ -262,7 +267,7 @@
           <a:p>
             <a:fld id="{23FEA57E-7C1A-457B-A4CD-5DCEB057B502}" type="datetime1">
               <a:rPr lang="en-US" smtClean="0"/>
-              <a:t>10/12/20</a:t>
+              <a:t>10/15/20</a:t>
             </a:fld>
             <a:endParaRPr lang="en-US" dirty="0"/>
           </a:p>
@@ -465,7 +470,7 @@
           <a:p>
             <a:fld id="{11789749-A4CD-447F-8298-2B7988C91CEA}" type="datetime1">
               <a:rPr lang="en-US" smtClean="0"/>
-              <a:t>10/12/20</a:t>
+              <a:t>10/15/20</a:t>
             </a:fld>
             <a:endParaRPr lang="en-US"/>
           </a:p>
@@ -676,7 +681,7 @@
           <a:p>
             <a:fld id="{BA0444D3-C0BA-4587-A56C-581AB9F841BE}" type="datetime1">
               <a:rPr lang="en-US" smtClean="0"/>
-              <a:t>10/12/20</a:t>
+              <a:t>10/15/20</a:t>
             </a:fld>
             <a:endParaRPr lang="en-US"/>
           </a:p>
@@ -890,7 +895,7 @@
           <a:p>
             <a:fld id="{201AF2CE-4F37-411C-A3EE-BBBE223265BF}" type="datetime1">
               <a:rPr lang="en-US" smtClean="0"/>
-              <a:t>10/12/20</a:t>
+              <a:t>10/15/20</a:t>
             </a:fld>
             <a:endParaRPr lang="en-US"/>
           </a:p>
@@ -1171,7 +1176,7 @@
           <a:p>
             <a:fld id="{C96083D4-708C-4BB5-B4FD-30CE9FA12FD5}" type="datetime1">
               <a:rPr lang="en-US" smtClean="0"/>
-              <a:t>10/12/20</a:t>
+              <a:t>10/15/20</a:t>
             </a:fld>
             <a:endParaRPr lang="en-US"/>
           </a:p>
@@ -1451,7 +1456,7 @@
           <a:p>
             <a:fld id="{D0D239B2-65BC-4C2A-A62B-3EABFE9590E4}" type="datetime1">
               <a:rPr lang="en-US" smtClean="0"/>
-              <a:t>10/12/20</a:t>
+              <a:t>10/15/20</a:t>
             </a:fld>
             <a:endParaRPr lang="en-US"/>
           </a:p>
@@ -1873,7 +1878,7 @@
           <a:p>
             <a:fld id="{85E05F5A-E4A3-476F-A89E-C2B73F2431E4}" type="datetime1">
               <a:rPr lang="en-US" smtClean="0"/>
-              <a:t>10/12/20</a:t>
+              <a:t>10/15/20</a:t>
             </a:fld>
             <a:endParaRPr lang="en-US"/>
           </a:p>
@@ -2018,7 +2023,7 @@
           <a:p>
             <a:fld id="{E3761515-4A26-4F31-9F61-5A10B1FABBFC}" type="datetime1">
               <a:rPr lang="en-US" smtClean="0"/>
-              <a:t>10/12/20</a:t>
+              <a:t>10/15/20</a:t>
             </a:fld>
             <a:endParaRPr lang="en-US"/>
           </a:p>
@@ -2134,7 +2139,7 @@
           <a:p>
             <a:fld id="{4A75DC65-7D1F-4BAB-9695-F7E734143E14}" type="datetime1">
               <a:rPr lang="en-US" smtClean="0"/>
-              <a:t>10/12/20</a:t>
+              <a:t>10/15/20</a:t>
             </a:fld>
             <a:endParaRPr lang="en-US"/>
           </a:p>
@@ -2448,7 +2453,7 @@
           <a:p>
             <a:fld id="{7E624077-BD55-4036-8E92-6558FDF3B653}" type="datetime1">
               <a:rPr lang="en-US" smtClean="0"/>
-              <a:t>10/12/20</a:t>
+              <a:t>10/15/20</a:t>
             </a:fld>
             <a:endParaRPr lang="en-US"/>
           </a:p>
@@ -2742,7 +2747,7 @@
           <a:p>
             <a:fld id="{804225F2-7107-4609-BCC2-77C63064A5E8}" type="datetime1">
               <a:rPr lang="en-US" smtClean="0"/>
-              <a:t>10/12/20</a:t>
+              <a:t>10/15/20</a:t>
             </a:fld>
             <a:endParaRPr lang="en-US"/>
           </a:p>
@@ -2990,7 +2995,7 @@
           <a:p>
             <a:fld id="{D3FE42E8-8B57-452D-A122-4DCE9AC771EF}" type="datetime1">
               <a:rPr lang="en-US" smtClean="0"/>
-              <a:t>10/12/20</a:t>
+              <a:t>10/15/20</a:t>
             </a:fld>
             <a:endParaRPr lang="en-US"/>
           </a:p>
@@ -4312,8 +4317,8 @@
         </p:nvSpPr>
         <p:spPr>
           <a:xfrm>
-            <a:off x="685801" y="1817152"/>
-            <a:ext cx="5485227" cy="4499241"/>
+            <a:off x="685801" y="4014439"/>
+            <a:ext cx="5485227" cy="2301954"/>
           </a:xfrm>
           <a:prstGeom prst="rect">
             <a:avLst/>
@@ -4321,7 +4326,7 @@
         </p:spPr>
         <p:txBody>
           <a:bodyPr vert="horz" lIns="91440" tIns="45720" rIns="91440" bIns="45720" rtlCol="0">
-            <a:normAutofit/>
+            <a:normAutofit fontScale="77500" lnSpcReduction="20000"/>
           </a:bodyPr>
           <a:lstStyle/>
           <a:p>
@@ -4445,6 +4450,102 @@
           </a:prstGeom>
         </p:spPr>
       </p:pic>
+      <p:sp>
+        <p:nvSpPr>
+          <p:cNvPr id="7" name="TextBox 6">
+            <a:extLst>
+              <a:ext uri="{FF2B5EF4-FFF2-40B4-BE49-F238E27FC236}">
+                <a16:creationId xmlns:a16="http://schemas.microsoft.com/office/drawing/2014/main" id="{BB434DE2-D171-F245-AFA2-1DCC26C88F1C}"/>
+              </a:ext>
+            </a:extLst>
+          </p:cNvPr>
+          <p:cNvSpPr txBox="1"/>
+          <p:nvPr/>
+        </p:nvSpPr>
+        <p:spPr>
+          <a:xfrm>
+            <a:off x="698528" y="1692584"/>
+            <a:ext cx="5485227" cy="2301954"/>
+          </a:xfrm>
+          <a:prstGeom prst="rect">
+            <a:avLst/>
+          </a:prstGeom>
+        </p:spPr>
+        <p:txBody>
+          <a:bodyPr vert="horz" lIns="91440" tIns="45720" rIns="91440" bIns="45720" rtlCol="0">
+            <a:normAutofit fontScale="92500"/>
+          </a:bodyPr>
+          <a:lstStyle/>
+          <a:p>
+            <a:pPr algn="ctr" defTabSz="914400">
+              <a:spcAft>
+                <a:spcPts val="600"/>
+              </a:spcAft>
+              <a:buSzPct val="70000"/>
+            </a:pPr>
+            <a:r>
+              <a:rPr lang="en-US" sz="4000" b="1" i="1" dirty="0">
+                <a:solidFill>
+                  <a:srgbClr val="FF0000"/>
+                </a:solidFill>
+                <a:latin typeface="+mj-lt"/>
+              </a:rPr>
+              <a:t>Random</a:t>
+            </a:r>
+          </a:p>
+          <a:p>
+            <a:pPr marL="342900" indent="-228600" defTabSz="914400">
+              <a:spcAft>
+                <a:spcPts val="600"/>
+              </a:spcAft>
+              <a:buSzPct val="70000"/>
+              <a:buFont typeface="Arial" panose="020B0604020202020204" pitchFamily="34" charset="0"/>
+              <a:buChar char="•"/>
+            </a:pPr>
+            <a:r>
+              <a:rPr lang="en-US" sz="4000" dirty="0">
+                <a:solidFill>
+                  <a:srgbClr val="7030A0"/>
+                </a:solidFill>
+                <a:latin typeface="+mj-lt"/>
+              </a:rPr>
+              <a:t>Blindly add bulbs to meet the black cell adjacency.</a:t>
+            </a:r>
+          </a:p>
+          <a:p>
+            <a:pPr marL="342900" indent="-228600" defTabSz="914400">
+              <a:spcAft>
+                <a:spcPts val="600"/>
+              </a:spcAft>
+              <a:buSzPct val="70000"/>
+              <a:buFont typeface="Arial" panose="020B0604020202020204" pitchFamily="34" charset="0"/>
+              <a:buChar char="•"/>
+            </a:pPr>
+            <a:endParaRPr lang="en-US" dirty="0">
+              <a:solidFill>
+                <a:schemeClr val="tx2"/>
+              </a:solidFill>
+              <a:latin typeface="+mj-lt"/>
+            </a:endParaRPr>
+          </a:p>
+          <a:p>
+            <a:pPr indent="-228600" defTabSz="914400">
+              <a:spcAft>
+                <a:spcPts val="600"/>
+              </a:spcAft>
+              <a:buSzPct val="70000"/>
+              <a:buFont typeface="Arial" panose="020B0604020202020204" pitchFamily="34" charset="0"/>
+              <a:buChar char="•"/>
+            </a:pPr>
+            <a:endParaRPr lang="en-US" dirty="0">
+              <a:solidFill>
+                <a:schemeClr val="tx2"/>
+              </a:solidFill>
+              <a:latin typeface="+mj-lt"/>
+            </a:endParaRPr>
+          </a:p>
+        </p:txBody>
+      </p:sp>
     </p:spTree>
     <p:extLst>
       <p:ext uri="{BB962C8B-B14F-4D97-AF65-F5344CB8AC3E}">

--- a/Presentation/COMP6600_Final.pptx
+++ b/Presentation/COMP6600_Final.pptx
@@ -4,12 +4,17 @@
   <p:sldMasterIdLst>
     <p:sldMasterId id="2147483723" r:id="rId1"/>
   </p:sldMasterIdLst>
+  <p:notesMasterIdLst>
+    <p:notesMasterId r:id="rId9"/>
+  </p:notesMasterIdLst>
   <p:sldIdLst>
     <p:sldId id="256" r:id="rId2"/>
     <p:sldId id="257" r:id="rId3"/>
     <p:sldId id="258" r:id="rId4"/>
     <p:sldId id="259" r:id="rId5"/>
     <p:sldId id="260" r:id="rId6"/>
+    <p:sldId id="1169" r:id="rId7"/>
+    <p:sldId id="1170" r:id="rId8"/>
   </p:sldIdLst>
   <p:sldSz cx="12192000" cy="6858000"/>
   <p:notesSz cx="6858000" cy="9144000"/>
@@ -116,6 +121,590 @@
 </p:presentation>
 </file>
 
+<file path=ppt/notesMasters/notesMaster1.xml><?xml version="1.0" encoding="utf-8"?>
+<p:notesMaster xmlns:a="http://schemas.openxmlformats.org/drawingml/2006/main" xmlns:r="http://schemas.openxmlformats.org/officeDocument/2006/relationships" xmlns:p="http://schemas.openxmlformats.org/presentationml/2006/main">
+  <p:cSld>
+    <p:bg>
+      <p:bgRef idx="1001">
+        <a:schemeClr val="bg1"/>
+      </p:bgRef>
+    </p:bg>
+    <p:spTree>
+      <p:nvGrpSpPr>
+        <p:cNvPr id="1" name=""/>
+        <p:cNvGrpSpPr/>
+        <p:nvPr/>
+      </p:nvGrpSpPr>
+      <p:grpSpPr>
+        <a:xfrm>
+          <a:off x="0" y="0"/>
+          <a:ext cx="0" cy="0"/>
+          <a:chOff x="0" y="0"/>
+          <a:chExt cx="0" cy="0"/>
+        </a:xfrm>
+      </p:grpSpPr>
+      <p:sp>
+        <p:nvSpPr>
+          <p:cNvPr id="2" name="Header Placeholder 1"/>
+          <p:cNvSpPr>
+            <a:spLocks noGrp="1"/>
+          </p:cNvSpPr>
+          <p:nvPr>
+            <p:ph type="hdr" sz="quarter"/>
+          </p:nvPr>
+        </p:nvSpPr>
+        <p:spPr>
+          <a:xfrm>
+            <a:off x="0" y="0"/>
+            <a:ext cx="2971800" cy="458788"/>
+          </a:xfrm>
+          <a:prstGeom prst="rect">
+            <a:avLst/>
+          </a:prstGeom>
+        </p:spPr>
+        <p:txBody>
+          <a:bodyPr vert="horz" lIns="91440" tIns="45720" rIns="91440" bIns="45720" rtlCol="0"/>
+          <a:lstStyle>
+            <a:lvl1pPr algn="l">
+              <a:defRPr sz="1200"/>
+            </a:lvl1pPr>
+          </a:lstStyle>
+          <a:p>
+            <a:endParaRPr lang="en-US"/>
+          </a:p>
+        </p:txBody>
+      </p:sp>
+      <p:sp>
+        <p:nvSpPr>
+          <p:cNvPr id="3" name="Date Placeholder 2"/>
+          <p:cNvSpPr>
+            <a:spLocks noGrp="1"/>
+          </p:cNvSpPr>
+          <p:nvPr>
+            <p:ph type="dt" idx="1"/>
+          </p:nvPr>
+        </p:nvSpPr>
+        <p:spPr>
+          <a:xfrm>
+            <a:off x="3884613" y="0"/>
+            <a:ext cx="2971800" cy="458788"/>
+          </a:xfrm>
+          <a:prstGeom prst="rect">
+            <a:avLst/>
+          </a:prstGeom>
+        </p:spPr>
+        <p:txBody>
+          <a:bodyPr vert="horz" lIns="91440" tIns="45720" rIns="91440" bIns="45720" rtlCol="0"/>
+          <a:lstStyle>
+            <a:lvl1pPr algn="r">
+              <a:defRPr sz="1200"/>
+            </a:lvl1pPr>
+          </a:lstStyle>
+          <a:p>
+            <a:fld id="{40040931-509E-47A8-B122-AD23DB09FD63}" type="datetimeFigureOut">
+              <a:rPr lang="en-US" smtClean="0"/>
+              <a:t>10/18/20</a:t>
+            </a:fld>
+            <a:endParaRPr lang="en-US"/>
+          </a:p>
+        </p:txBody>
+      </p:sp>
+      <p:sp>
+        <p:nvSpPr>
+          <p:cNvPr id="4" name="Slide Image Placeholder 3"/>
+          <p:cNvSpPr>
+            <a:spLocks noGrp="1" noRot="1" noChangeAspect="1"/>
+          </p:cNvSpPr>
+          <p:nvPr>
+            <p:ph type="sldImg" idx="2"/>
+          </p:nvPr>
+        </p:nvSpPr>
+        <p:spPr>
+          <a:xfrm>
+            <a:off x="685800" y="1143000"/>
+            <a:ext cx="5486400" cy="3086100"/>
+          </a:xfrm>
+          <a:prstGeom prst="rect">
+            <a:avLst/>
+          </a:prstGeom>
+          <a:noFill/>
+          <a:ln w="12700">
+            <a:solidFill>
+              <a:prstClr val="black"/>
+            </a:solidFill>
+          </a:ln>
+        </p:spPr>
+        <p:txBody>
+          <a:bodyPr vert="horz" lIns="91440" tIns="45720" rIns="91440" bIns="45720" rtlCol="0" anchor="ctr"/>
+          <a:lstStyle/>
+          <a:p>
+            <a:endParaRPr lang="en-US"/>
+          </a:p>
+        </p:txBody>
+      </p:sp>
+      <p:sp>
+        <p:nvSpPr>
+          <p:cNvPr id="5" name="Notes Placeholder 4"/>
+          <p:cNvSpPr>
+            <a:spLocks noGrp="1"/>
+          </p:cNvSpPr>
+          <p:nvPr>
+            <p:ph type="body" sz="quarter" idx="3"/>
+          </p:nvPr>
+        </p:nvSpPr>
+        <p:spPr>
+          <a:xfrm>
+            <a:off x="685800" y="4400550"/>
+            <a:ext cx="5486400" cy="3600450"/>
+          </a:xfrm>
+          <a:prstGeom prst="rect">
+            <a:avLst/>
+          </a:prstGeom>
+        </p:spPr>
+        <p:txBody>
+          <a:bodyPr vert="horz" lIns="91440" tIns="45720" rIns="91440" bIns="45720" rtlCol="0"/>
+          <a:lstStyle/>
+          <a:p>
+            <a:pPr lvl="0"/>
+            <a:r>
+              <a:rPr lang="en-US"/>
+              <a:t>Click to edit Master text styles</a:t>
+            </a:r>
+          </a:p>
+          <a:p>
+            <a:pPr lvl="1"/>
+            <a:r>
+              <a:rPr lang="en-US"/>
+              <a:t>Second level</a:t>
+            </a:r>
+          </a:p>
+          <a:p>
+            <a:pPr lvl="2"/>
+            <a:r>
+              <a:rPr lang="en-US"/>
+              <a:t>Third level</a:t>
+            </a:r>
+          </a:p>
+          <a:p>
+            <a:pPr lvl="3"/>
+            <a:r>
+              <a:rPr lang="en-US"/>
+              <a:t>Fourth level</a:t>
+            </a:r>
+          </a:p>
+          <a:p>
+            <a:pPr lvl="4"/>
+            <a:r>
+              <a:rPr lang="en-US"/>
+              <a:t>Fifth level</a:t>
+            </a:r>
+          </a:p>
+        </p:txBody>
+      </p:sp>
+      <p:sp>
+        <p:nvSpPr>
+          <p:cNvPr id="6" name="Footer Placeholder 5"/>
+          <p:cNvSpPr>
+            <a:spLocks noGrp="1"/>
+          </p:cNvSpPr>
+          <p:nvPr>
+            <p:ph type="ftr" sz="quarter" idx="4"/>
+          </p:nvPr>
+        </p:nvSpPr>
+        <p:spPr>
+          <a:xfrm>
+            <a:off x="0" y="8685213"/>
+            <a:ext cx="2971800" cy="458787"/>
+          </a:xfrm>
+          <a:prstGeom prst="rect">
+            <a:avLst/>
+          </a:prstGeom>
+        </p:spPr>
+        <p:txBody>
+          <a:bodyPr vert="horz" lIns="91440" tIns="45720" rIns="91440" bIns="45720" rtlCol="0" anchor="b"/>
+          <a:lstStyle>
+            <a:lvl1pPr algn="l">
+              <a:defRPr sz="1200"/>
+            </a:lvl1pPr>
+          </a:lstStyle>
+          <a:p>
+            <a:endParaRPr lang="en-US"/>
+          </a:p>
+        </p:txBody>
+      </p:sp>
+      <p:sp>
+        <p:nvSpPr>
+          <p:cNvPr id="7" name="Slide Number Placeholder 6"/>
+          <p:cNvSpPr>
+            <a:spLocks noGrp="1"/>
+          </p:cNvSpPr>
+          <p:nvPr>
+            <p:ph type="sldNum" sz="quarter" idx="5"/>
+          </p:nvPr>
+        </p:nvSpPr>
+        <p:spPr>
+          <a:xfrm>
+            <a:off x="3884613" y="8685213"/>
+            <a:ext cx="2971800" cy="458787"/>
+          </a:xfrm>
+          <a:prstGeom prst="rect">
+            <a:avLst/>
+          </a:prstGeom>
+        </p:spPr>
+        <p:txBody>
+          <a:bodyPr vert="horz" lIns="91440" tIns="45720" rIns="91440" bIns="45720" rtlCol="0" anchor="b"/>
+          <a:lstStyle>
+            <a:lvl1pPr algn="r">
+              <a:defRPr sz="1200"/>
+            </a:lvl1pPr>
+          </a:lstStyle>
+          <a:p>
+            <a:fld id="{D25C5A19-A6B8-4E1A-81F7-4BDBEA682BF0}" type="slidenum">
+              <a:rPr lang="en-US" smtClean="0"/>
+              <a:t>‹#›</a:t>
+            </a:fld>
+            <a:endParaRPr lang="en-US"/>
+          </a:p>
+        </p:txBody>
+      </p:sp>
+    </p:spTree>
+    <p:extLst>
+      <p:ext uri="{BB962C8B-B14F-4D97-AF65-F5344CB8AC3E}">
+        <p14:creationId xmlns:p14="http://schemas.microsoft.com/office/powerpoint/2010/main" val="1711727909"/>
+      </p:ext>
+    </p:extLst>
+  </p:cSld>
+  <p:clrMap bg1="lt1" tx1="dk1" bg2="lt2" tx2="dk2" accent1="accent1" accent2="accent2" accent3="accent3" accent4="accent4" accent5="accent5" accent6="accent6" hlink="hlink" folHlink="folHlink"/>
+  <p:notesStyle>
+    <a:lvl1pPr marL="0" algn="l" defTabSz="914400" rtl="0" eaLnBrk="1" latinLnBrk="0" hangingPunct="1">
+      <a:defRPr sz="1200" kern="1200">
+        <a:solidFill>
+          <a:schemeClr val="tx1"/>
+        </a:solidFill>
+        <a:latin typeface="+mn-lt"/>
+        <a:ea typeface="+mn-ea"/>
+        <a:cs typeface="+mn-cs"/>
+      </a:defRPr>
+    </a:lvl1pPr>
+    <a:lvl2pPr marL="457200" algn="l" defTabSz="914400" rtl="0" eaLnBrk="1" latinLnBrk="0" hangingPunct="1">
+      <a:defRPr sz="1200" kern="1200">
+        <a:solidFill>
+          <a:schemeClr val="tx1"/>
+        </a:solidFill>
+        <a:latin typeface="+mn-lt"/>
+        <a:ea typeface="+mn-ea"/>
+        <a:cs typeface="+mn-cs"/>
+      </a:defRPr>
+    </a:lvl2pPr>
+    <a:lvl3pPr marL="914400" algn="l" defTabSz="914400" rtl="0" eaLnBrk="1" latinLnBrk="0" hangingPunct="1">
+      <a:defRPr sz="1200" kern="1200">
+        <a:solidFill>
+          <a:schemeClr val="tx1"/>
+        </a:solidFill>
+        <a:latin typeface="+mn-lt"/>
+        <a:ea typeface="+mn-ea"/>
+        <a:cs typeface="+mn-cs"/>
+      </a:defRPr>
+    </a:lvl3pPr>
+    <a:lvl4pPr marL="1371600" algn="l" defTabSz="914400" rtl="0" eaLnBrk="1" latinLnBrk="0" hangingPunct="1">
+      <a:defRPr sz="1200" kern="1200">
+        <a:solidFill>
+          <a:schemeClr val="tx1"/>
+        </a:solidFill>
+        <a:latin typeface="+mn-lt"/>
+        <a:ea typeface="+mn-ea"/>
+        <a:cs typeface="+mn-cs"/>
+      </a:defRPr>
+    </a:lvl4pPr>
+    <a:lvl5pPr marL="1828800" algn="l" defTabSz="914400" rtl="0" eaLnBrk="1" latinLnBrk="0" hangingPunct="1">
+      <a:defRPr sz="1200" kern="1200">
+        <a:solidFill>
+          <a:schemeClr val="tx1"/>
+        </a:solidFill>
+        <a:latin typeface="+mn-lt"/>
+        <a:ea typeface="+mn-ea"/>
+        <a:cs typeface="+mn-cs"/>
+      </a:defRPr>
+    </a:lvl5pPr>
+    <a:lvl6pPr marL="2286000" algn="l" defTabSz="914400" rtl="0" eaLnBrk="1" latinLnBrk="0" hangingPunct="1">
+      <a:defRPr sz="1200" kern="1200">
+        <a:solidFill>
+          <a:schemeClr val="tx1"/>
+        </a:solidFill>
+        <a:latin typeface="+mn-lt"/>
+        <a:ea typeface="+mn-ea"/>
+        <a:cs typeface="+mn-cs"/>
+      </a:defRPr>
+    </a:lvl6pPr>
+    <a:lvl7pPr marL="2743200" algn="l" defTabSz="914400" rtl="0" eaLnBrk="1" latinLnBrk="0" hangingPunct="1">
+      <a:defRPr sz="1200" kern="1200">
+        <a:solidFill>
+          <a:schemeClr val="tx1"/>
+        </a:solidFill>
+        <a:latin typeface="+mn-lt"/>
+        <a:ea typeface="+mn-ea"/>
+        <a:cs typeface="+mn-cs"/>
+      </a:defRPr>
+    </a:lvl7pPr>
+    <a:lvl8pPr marL="3200400" algn="l" defTabSz="914400" rtl="0" eaLnBrk="1" latinLnBrk="0" hangingPunct="1">
+      <a:defRPr sz="1200" kern="1200">
+        <a:solidFill>
+          <a:schemeClr val="tx1"/>
+        </a:solidFill>
+        <a:latin typeface="+mn-lt"/>
+        <a:ea typeface="+mn-ea"/>
+        <a:cs typeface="+mn-cs"/>
+      </a:defRPr>
+    </a:lvl8pPr>
+    <a:lvl9pPr marL="3657600" algn="l" defTabSz="914400" rtl="0" eaLnBrk="1" latinLnBrk="0" hangingPunct="1">
+      <a:defRPr sz="1200" kern="1200">
+        <a:solidFill>
+          <a:schemeClr val="tx1"/>
+        </a:solidFill>
+        <a:latin typeface="+mn-lt"/>
+        <a:ea typeface="+mn-ea"/>
+        <a:cs typeface="+mn-cs"/>
+      </a:defRPr>
+    </a:lvl9pPr>
+  </p:notesStyle>
+</p:notesMaster>
+</file>
+
+<file path=ppt/notesSlides/notesSlide1.xml><?xml version="1.0" encoding="utf-8"?>
+<p:notes xmlns:a="http://schemas.openxmlformats.org/drawingml/2006/main" xmlns:r="http://schemas.openxmlformats.org/officeDocument/2006/relationships" xmlns:p="http://schemas.openxmlformats.org/presentationml/2006/main">
+  <p:cSld>
+    <p:spTree>
+      <p:nvGrpSpPr>
+        <p:cNvPr id="1" name=""/>
+        <p:cNvGrpSpPr/>
+        <p:nvPr/>
+      </p:nvGrpSpPr>
+      <p:grpSpPr>
+        <a:xfrm>
+          <a:off x="0" y="0"/>
+          <a:ext cx="0" cy="0"/>
+          <a:chOff x="0" y="0"/>
+          <a:chExt cx="0" cy="0"/>
+        </a:xfrm>
+      </p:grpSpPr>
+      <p:sp>
+        <p:nvSpPr>
+          <p:cNvPr id="72706" name="Slide Image Placeholder 1">
+            <a:extLst>
+              <a:ext uri="{FF2B5EF4-FFF2-40B4-BE49-F238E27FC236}">
+                <a16:creationId xmlns:a16="http://schemas.microsoft.com/office/drawing/2014/main" id="{D2675785-279B-4F1F-BA6E-2166B1135C76}"/>
+              </a:ext>
+            </a:extLst>
+          </p:cNvPr>
+          <p:cNvSpPr>
+            <a:spLocks noGrp="1" noRot="1" noChangeAspect="1" noTextEdit="1"/>
+          </p:cNvSpPr>
+          <p:nvPr>
+            <p:ph type="sldImg"/>
+          </p:nvPr>
+        </p:nvSpPr>
+        <p:spPr>
+          <a:ln/>
+        </p:spPr>
+      </p:sp>
+      <p:sp>
+        <p:nvSpPr>
+          <p:cNvPr id="72707" name="Notes Placeholder 2">
+            <a:extLst>
+              <a:ext uri="{FF2B5EF4-FFF2-40B4-BE49-F238E27FC236}">
+                <a16:creationId xmlns:a16="http://schemas.microsoft.com/office/drawing/2014/main" id="{F6E6E21A-1F7C-440D-B5E3-66A5CC7711D7}"/>
+              </a:ext>
+            </a:extLst>
+          </p:cNvPr>
+          <p:cNvSpPr>
+            <a:spLocks noGrp="1"/>
+          </p:cNvSpPr>
+          <p:nvPr>
+            <p:ph type="body" idx="1"/>
+          </p:nvPr>
+        </p:nvSpPr>
+        <p:spPr>
+          <a:noFill/>
+          <a:ln/>
+          <a:extLst>
+            <a:ext uri="{909E8E84-426E-40DD-AFC4-6F175D3DCCD1}">
+              <a14:hiddenFill xmlns:a14="http://schemas.microsoft.com/office/drawing/2010/main">
+                <a:solidFill>
+                  <a:srgbClr val="FFFFFF"/>
+                </a:solidFill>
+              </a14:hiddenFill>
+            </a:ext>
+            <a:ext uri="{91240B29-F687-4F45-9708-019B960494DF}">
+              <a14:hiddenLine xmlns:a14="http://schemas.microsoft.com/office/drawing/2010/main" w="9525">
+                <a:solidFill>
+                  <a:srgbClr val="000000"/>
+                </a:solidFill>
+                <a:miter lim="800000"/>
+                <a:headEnd/>
+                <a:tailEnd/>
+              </a14:hiddenLine>
+            </a:ext>
+          </a:extLst>
+        </p:spPr>
+        <p:txBody>
+          <a:bodyPr/>
+          <a:lstStyle/>
+          <a:p>
+            <a:endParaRPr lang="en-US" altLang="en-US">
+              <a:latin typeface="Arial" panose="020B0604020202020204" pitchFamily="34" charset="0"/>
+            </a:endParaRPr>
+          </a:p>
+        </p:txBody>
+      </p:sp>
+      <p:sp>
+        <p:nvSpPr>
+          <p:cNvPr id="72708" name="Slide Number Placeholder 3">
+            <a:extLst>
+              <a:ext uri="{FF2B5EF4-FFF2-40B4-BE49-F238E27FC236}">
+                <a16:creationId xmlns:a16="http://schemas.microsoft.com/office/drawing/2014/main" id="{327D6876-1567-493B-AD5F-1FA84CD99C0C}"/>
+              </a:ext>
+            </a:extLst>
+          </p:cNvPr>
+          <p:cNvSpPr>
+            <a:spLocks noGrp="1"/>
+          </p:cNvSpPr>
+          <p:nvPr>
+            <p:ph type="sldNum" sz="quarter" idx="5"/>
+          </p:nvPr>
+        </p:nvSpPr>
+        <p:spPr/>
+        <p:txBody>
+          <a:bodyPr/>
+          <a:lstStyle>
+            <a:lvl1pPr eaLnBrk="0" hangingPunct="0">
+              <a:defRPr>
+                <a:solidFill>
+                  <a:schemeClr val="tx1"/>
+                </a:solidFill>
+                <a:latin typeface="Helvetica" panose="020B0604020202020204" pitchFamily="34" charset="0"/>
+                <a:cs typeface="Arial" panose="020B0604020202020204" pitchFamily="34" charset="0"/>
+              </a:defRPr>
+            </a:lvl1pPr>
+            <a:lvl2pPr marL="742950" indent="-285750" eaLnBrk="0" hangingPunct="0">
+              <a:defRPr>
+                <a:solidFill>
+                  <a:schemeClr val="tx1"/>
+                </a:solidFill>
+                <a:latin typeface="Helvetica" panose="020B0604020202020204" pitchFamily="34" charset="0"/>
+                <a:cs typeface="Arial" panose="020B0604020202020204" pitchFamily="34" charset="0"/>
+              </a:defRPr>
+            </a:lvl2pPr>
+            <a:lvl3pPr marL="1143000" indent="-228600" eaLnBrk="0" hangingPunct="0">
+              <a:defRPr>
+                <a:solidFill>
+                  <a:schemeClr val="tx1"/>
+                </a:solidFill>
+                <a:latin typeface="Helvetica" panose="020B0604020202020204" pitchFamily="34" charset="0"/>
+                <a:cs typeface="Arial" panose="020B0604020202020204" pitchFamily="34" charset="0"/>
+              </a:defRPr>
+            </a:lvl3pPr>
+            <a:lvl4pPr marL="1600200" indent="-228600" eaLnBrk="0" hangingPunct="0">
+              <a:defRPr>
+                <a:solidFill>
+                  <a:schemeClr val="tx1"/>
+                </a:solidFill>
+                <a:latin typeface="Helvetica" panose="020B0604020202020204" pitchFamily="34" charset="0"/>
+                <a:cs typeface="Arial" panose="020B0604020202020204" pitchFamily="34" charset="0"/>
+              </a:defRPr>
+            </a:lvl4pPr>
+            <a:lvl5pPr marL="2057400" indent="-228600" eaLnBrk="0" hangingPunct="0">
+              <a:defRPr>
+                <a:solidFill>
+                  <a:schemeClr val="tx1"/>
+                </a:solidFill>
+                <a:latin typeface="Helvetica" panose="020B0604020202020204" pitchFamily="34" charset="0"/>
+                <a:cs typeface="Arial" panose="020B0604020202020204" pitchFamily="34" charset="0"/>
+              </a:defRPr>
+            </a:lvl5pPr>
+            <a:lvl6pPr marL="2514600" indent="-228600" eaLnBrk="0" fontAlgn="base" hangingPunct="0">
+              <a:spcBef>
+                <a:spcPct val="0"/>
+              </a:spcBef>
+              <a:spcAft>
+                <a:spcPct val="0"/>
+              </a:spcAft>
+              <a:defRPr>
+                <a:solidFill>
+                  <a:schemeClr val="tx1"/>
+                </a:solidFill>
+                <a:latin typeface="Helvetica" panose="020B0604020202020204" pitchFamily="34" charset="0"/>
+                <a:cs typeface="Arial" panose="020B0604020202020204" pitchFamily="34" charset="0"/>
+              </a:defRPr>
+            </a:lvl6pPr>
+            <a:lvl7pPr marL="2971800" indent="-228600" eaLnBrk="0" fontAlgn="base" hangingPunct="0">
+              <a:spcBef>
+                <a:spcPct val="0"/>
+              </a:spcBef>
+              <a:spcAft>
+                <a:spcPct val="0"/>
+              </a:spcAft>
+              <a:defRPr>
+                <a:solidFill>
+                  <a:schemeClr val="tx1"/>
+                </a:solidFill>
+                <a:latin typeface="Helvetica" panose="020B0604020202020204" pitchFamily="34" charset="0"/>
+                <a:cs typeface="Arial" panose="020B0604020202020204" pitchFamily="34" charset="0"/>
+              </a:defRPr>
+            </a:lvl7pPr>
+            <a:lvl8pPr marL="3429000" indent="-228600" eaLnBrk="0" fontAlgn="base" hangingPunct="0">
+              <a:spcBef>
+                <a:spcPct val="0"/>
+              </a:spcBef>
+              <a:spcAft>
+                <a:spcPct val="0"/>
+              </a:spcAft>
+              <a:defRPr>
+                <a:solidFill>
+                  <a:schemeClr val="tx1"/>
+                </a:solidFill>
+                <a:latin typeface="Helvetica" panose="020B0604020202020204" pitchFamily="34" charset="0"/>
+                <a:cs typeface="Arial" panose="020B0604020202020204" pitchFamily="34" charset="0"/>
+              </a:defRPr>
+            </a:lvl8pPr>
+            <a:lvl9pPr marL="3886200" indent="-228600" eaLnBrk="0" fontAlgn="base" hangingPunct="0">
+              <a:spcBef>
+                <a:spcPct val="0"/>
+              </a:spcBef>
+              <a:spcAft>
+                <a:spcPct val="0"/>
+              </a:spcAft>
+              <a:defRPr>
+                <a:solidFill>
+                  <a:schemeClr val="tx1"/>
+                </a:solidFill>
+                <a:latin typeface="Helvetica" panose="020B0604020202020204" pitchFamily="34" charset="0"/>
+                <a:cs typeface="Arial" panose="020B0604020202020204" pitchFamily="34" charset="0"/>
+              </a:defRPr>
+            </a:lvl9pPr>
+          </a:lstStyle>
+          <a:p>
+            <a:pPr eaLnBrk="1" hangingPunct="1"/>
+            <a:fld id="{4E0914CB-1F1C-4DBA-8026-F83034419DCA}" type="slidenum">
+              <a:rPr lang="en-US" altLang="en-US">
+                <a:latin typeface="Arial" panose="020B0604020202020204" pitchFamily="34" charset="0"/>
+              </a:rPr>
+              <a:pPr eaLnBrk="1" hangingPunct="1"/>
+              <a:t>6</a:t>
+            </a:fld>
+            <a:endParaRPr lang="en-US" altLang="en-US">
+              <a:latin typeface="Arial" panose="020B0604020202020204" pitchFamily="34" charset="0"/>
+            </a:endParaRPr>
+          </a:p>
+        </p:txBody>
+      </p:sp>
+    </p:spTree>
+  </p:cSld>
+  <p:clrMapOvr>
+    <a:masterClrMapping/>
+  </p:clrMapOvr>
+</p:notes>
+</file>
+
 <file path=ppt/slideLayouts/slideLayout1.xml><?xml version="1.0" encoding="utf-8"?>
 <p:sldLayout xmlns:a="http://schemas.openxmlformats.org/drawingml/2006/main" xmlns:r="http://schemas.openxmlformats.org/officeDocument/2006/relationships" xmlns:p="http://schemas.openxmlformats.org/presentationml/2006/main" type="title" preserve="1">
   <p:cSld name="Title Slide">
@@ -267,7 +856,7 @@
           <a:p>
             <a:fld id="{23FEA57E-7C1A-457B-A4CD-5DCEB057B502}" type="datetime1">
               <a:rPr lang="en-US" smtClean="0"/>
-              <a:t>10/15/20</a:t>
+              <a:t>10/18/20</a:t>
             </a:fld>
             <a:endParaRPr lang="en-US" dirty="0"/>
           </a:p>
@@ -470,7 +1059,7 @@
           <a:p>
             <a:fld id="{11789749-A4CD-447F-8298-2B7988C91CEA}" type="datetime1">
               <a:rPr lang="en-US" smtClean="0"/>
-              <a:t>10/15/20</a:t>
+              <a:t>10/18/20</a:t>
             </a:fld>
             <a:endParaRPr lang="en-US"/>
           </a:p>
@@ -681,7 +1270,7 @@
           <a:p>
             <a:fld id="{BA0444D3-C0BA-4587-A56C-581AB9F841BE}" type="datetime1">
               <a:rPr lang="en-US" smtClean="0"/>
-              <a:t>10/15/20</a:t>
+              <a:t>10/18/20</a:t>
             </a:fld>
             <a:endParaRPr lang="en-US"/>
           </a:p>
@@ -895,7 +1484,7 @@
           <a:p>
             <a:fld id="{201AF2CE-4F37-411C-A3EE-BBBE223265BF}" type="datetime1">
               <a:rPr lang="en-US" smtClean="0"/>
-              <a:t>10/15/20</a:t>
+              <a:t>10/18/20</a:t>
             </a:fld>
             <a:endParaRPr lang="en-US"/>
           </a:p>
@@ -1176,7 +1765,7 @@
           <a:p>
             <a:fld id="{C96083D4-708C-4BB5-B4FD-30CE9FA12FD5}" type="datetime1">
               <a:rPr lang="en-US" smtClean="0"/>
-              <a:t>10/15/20</a:t>
+              <a:t>10/18/20</a:t>
             </a:fld>
             <a:endParaRPr lang="en-US"/>
           </a:p>
@@ -1456,7 +2045,7 @@
           <a:p>
             <a:fld id="{D0D239B2-65BC-4C2A-A62B-3EABFE9590E4}" type="datetime1">
               <a:rPr lang="en-US" smtClean="0"/>
-              <a:t>10/15/20</a:t>
+              <a:t>10/18/20</a:t>
             </a:fld>
             <a:endParaRPr lang="en-US"/>
           </a:p>
@@ -1878,7 +2467,7 @@
           <a:p>
             <a:fld id="{85E05F5A-E4A3-476F-A89E-C2B73F2431E4}" type="datetime1">
               <a:rPr lang="en-US" smtClean="0"/>
-              <a:t>10/15/20</a:t>
+              <a:t>10/18/20</a:t>
             </a:fld>
             <a:endParaRPr lang="en-US"/>
           </a:p>
@@ -2023,7 +2612,7 @@
           <a:p>
             <a:fld id="{E3761515-4A26-4F31-9F61-5A10B1FABBFC}" type="datetime1">
               <a:rPr lang="en-US" smtClean="0"/>
-              <a:t>10/15/20</a:t>
+              <a:t>10/18/20</a:t>
             </a:fld>
             <a:endParaRPr lang="en-US"/>
           </a:p>
@@ -2139,7 +2728,7 @@
           <a:p>
             <a:fld id="{4A75DC65-7D1F-4BAB-9695-F7E734143E14}" type="datetime1">
               <a:rPr lang="en-US" smtClean="0"/>
-              <a:t>10/15/20</a:t>
+              <a:t>10/18/20</a:t>
             </a:fld>
             <a:endParaRPr lang="en-US"/>
           </a:p>
@@ -2453,7 +3042,7 @@
           <a:p>
             <a:fld id="{7E624077-BD55-4036-8E92-6558FDF3B653}" type="datetime1">
               <a:rPr lang="en-US" smtClean="0"/>
-              <a:t>10/15/20</a:t>
+              <a:t>10/18/20</a:t>
             </a:fld>
             <a:endParaRPr lang="en-US"/>
           </a:p>
@@ -2747,7 +3336,7 @@
           <a:p>
             <a:fld id="{804225F2-7107-4609-BCC2-77C63064A5E8}" type="datetime1">
               <a:rPr lang="en-US" smtClean="0"/>
-              <a:t>10/15/20</a:t>
+              <a:t>10/18/20</a:t>
             </a:fld>
             <a:endParaRPr lang="en-US"/>
           </a:p>
@@ -2995,7 +3584,7 @@
           <a:p>
             <a:fld id="{D3FE42E8-8B57-452D-A122-4DCE9AC771EF}" type="datetime1">
               <a:rPr lang="en-US" smtClean="0"/>
-              <a:t>10/15/20</a:t>
+              <a:t>10/18/20</a:t>
             </a:fld>
             <a:endParaRPr lang="en-US"/>
           </a:p>
@@ -3605,7 +4194,7 @@
           <a:lstStyle/>
           <a:p>
             <a:r>
-              <a:rPr lang="en-US">
+              <a:rPr lang="en-US" dirty="0">
                 <a:solidFill>
                   <a:schemeClr val="bg2"/>
                 </a:solidFill>
@@ -3644,7 +4233,7 @@
           <a:lstStyle/>
           <a:p>
             <a:r>
-              <a:rPr lang="en-US">
+              <a:rPr lang="en-US" dirty="0">
                 <a:solidFill>
                   <a:schemeClr val="bg1"/>
                 </a:solidFill>
@@ -3717,7 +4306,7 @@
               </a:spcAft>
             </a:pPr>
             <a:r>
-              <a:rPr lang="en-US">
+              <a:rPr lang="en-US" dirty="0">
                 <a:solidFill>
                   <a:srgbClr val="FFFF00"/>
                 </a:solidFill>
@@ -3732,12 +4321,12 @@
               </a:spcAft>
             </a:pPr>
             <a:r>
-              <a:rPr lang="en-US">
+              <a:rPr lang="en-US" dirty="0">
                 <a:solidFill>
                   <a:srgbClr val="FFFF00"/>
                 </a:solidFill>
               </a:rPr>
-              <a:t>Roberto Perera </a:t>
+              <a:t>Roberto Perera Aguiar </a:t>
             </a:r>
           </a:p>
           <a:p>
@@ -3747,12 +4336,20 @@
               </a:spcAft>
             </a:pPr>
             <a:r>
-              <a:rPr lang="en-US">
+              <a:rPr lang="en-US" dirty="0" err="1">
                 <a:solidFill>
                   <a:srgbClr val="FFFF00"/>
                 </a:solidFill>
               </a:rPr>
-              <a:t>Libo Sun </a:t>
+              <a:t>Libo</a:t>
+            </a:r>
+            <a:r>
+              <a:rPr lang="en-US" dirty="0">
+                <a:solidFill>
+                  <a:srgbClr val="FFFF00"/>
+                </a:solidFill>
+              </a:rPr>
+              <a:t> Sun </a:t>
             </a:r>
           </a:p>
         </p:txBody>
@@ -4317,8 +4914,8 @@
         </p:nvSpPr>
         <p:spPr>
           <a:xfrm>
-            <a:off x="685801" y="4014439"/>
-            <a:ext cx="5485227" cy="2301954"/>
+            <a:off x="685801" y="4144365"/>
+            <a:ext cx="5485227" cy="2172027"/>
           </a:xfrm>
           <a:prstGeom prst="rect">
             <a:avLst/>
@@ -4326,7 +4923,7 @@
         </p:spPr>
         <p:txBody>
           <a:bodyPr vert="horz" lIns="91440" tIns="45720" rIns="91440" bIns="45720" rtlCol="0">
-            <a:normAutofit fontScale="77500" lnSpcReduction="20000"/>
+            <a:normAutofit fontScale="70000" lnSpcReduction="20000"/>
           </a:bodyPr>
           <a:lstStyle/>
           <a:p>
@@ -4586,10 +5183,10 @@
       </p:grpSpPr>
       <p:sp useBgFill="1">
         <p:nvSpPr>
-          <p:cNvPr id="29" name="Rectangle 28">
-            <a:extLst>
-              <a:ext uri="{FF2B5EF4-FFF2-40B4-BE49-F238E27FC236}">
-                <a16:creationId xmlns:a16="http://schemas.microsoft.com/office/drawing/2014/main" id="{6A121316-E4D0-41D7-9C79-9FF8F36D4262}"/>
+          <p:cNvPr id="38" name="Rectangle 37">
+            <a:extLst>
+              <a:ext uri="{FF2B5EF4-FFF2-40B4-BE49-F238E27FC236}">
+                <a16:creationId xmlns:a16="http://schemas.microsoft.com/office/drawing/2014/main" id="{8EBD63AD-33A9-4D22-9A5B-438B663EC924}"/>
               </a:ext>
               <a:ext uri="{C183D7F6-B498-43B3-948B-1728B52AA6E4}">
                 <adec:decorative xmlns:adec="http://schemas.microsoft.com/office/drawing/2017/decorative" val="1"/>
@@ -4660,43 +5257,12 @@
           </a:p>
         </p:txBody>
       </p:sp>
-      <p:pic>
-        <p:nvPicPr>
-          <p:cNvPr id="24" name="Content Placeholder 23" descr="A close up of a scoreboard&#10;&#10;Description automatically generated">
-            <a:extLst>
-              <a:ext uri="{FF2B5EF4-FFF2-40B4-BE49-F238E27FC236}">
-                <a16:creationId xmlns:a16="http://schemas.microsoft.com/office/drawing/2014/main" id="{6FC6CC5D-D3B3-7F40-8779-C09333A021C5}"/>
-              </a:ext>
-            </a:extLst>
-          </p:cNvPr>
-          <p:cNvPicPr>
-            <a:picLocks noGrp="1" noChangeAspect="1"/>
-          </p:cNvPicPr>
-          <p:nvPr>
-            <p:ph idx="1"/>
-          </p:nvPr>
-        </p:nvPicPr>
-        <p:blipFill rotWithShape="1">
-          <a:blip r:embed="rId2"/>
-          <a:srcRect r="7648"/>
-          <a:stretch/>
-        </p:blipFill>
-        <p:spPr>
-          <a:xfrm>
-            <a:off x="1" y="10"/>
-            <a:ext cx="6096000" cy="6857990"/>
-          </a:xfrm>
-          <a:prstGeom prst="rect">
-            <a:avLst/>
-          </a:prstGeom>
-        </p:spPr>
-      </p:pic>
-      <p:sp>
-        <p:nvSpPr>
-          <p:cNvPr id="31" name="Rectangle 30">
-            <a:extLst>
-              <a:ext uri="{FF2B5EF4-FFF2-40B4-BE49-F238E27FC236}">
-                <a16:creationId xmlns:a16="http://schemas.microsoft.com/office/drawing/2014/main" id="{07EE0F9E-42CB-4AE4-971C-7BD191D5DCB3}"/>
+      <p:sp>
+        <p:nvSpPr>
+          <p:cNvPr id="40" name="Rectangle 39">
+            <a:extLst>
+              <a:ext uri="{FF2B5EF4-FFF2-40B4-BE49-F238E27FC236}">
+                <a16:creationId xmlns:a16="http://schemas.microsoft.com/office/drawing/2014/main" id="{2BAD9CC4-644A-42E5-A6A6-082517FA63B7}"/>
               </a:ext>
               <a:ext uri="{C183D7F6-B498-43B3-948B-1728B52AA6E4}">
                 <adec:decorative xmlns:adec="http://schemas.microsoft.com/office/drawing/2017/decorative" val="1"/>
@@ -4716,8 +5282,8 @@
         </p:nvSpPr>
         <p:spPr>
           <a:xfrm>
-            <a:off x="6096000" y="0"/>
-            <a:ext cx="6096000" cy="6858000"/>
+            <a:off x="6095998" y="0"/>
+            <a:ext cx="6096001" cy="6857999"/>
           </a:xfrm>
           <a:prstGeom prst="rect">
             <a:avLst/>
@@ -4726,6 +5292,7 @@
             <a:schemeClr val="tx2">
               <a:lumMod val="75000"/>
               <a:lumOff val="25000"/>
+              <a:alpha val="25000"/>
             </a:schemeClr>
           </a:solidFill>
           <a:ln>
@@ -4757,86 +5324,26 @@
           </a:p>
         </p:txBody>
       </p:sp>
-      <p:sp useBgFill="1">
-        <p:nvSpPr>
-          <p:cNvPr id="33" name="Rectangle 32">
-            <a:extLst>
-              <a:ext uri="{FF2B5EF4-FFF2-40B4-BE49-F238E27FC236}">
-                <a16:creationId xmlns:a16="http://schemas.microsoft.com/office/drawing/2014/main" id="{1AEB967B-31A3-42E3-8382-73443D264092}"/>
-              </a:ext>
-              <a:ext uri="{C183D7F6-B498-43B3-948B-1728B52AA6E4}">
-                <adec:decorative xmlns:adec="http://schemas.microsoft.com/office/drawing/2017/decorative" val="1"/>
-              </a:ext>
-            </a:extLst>
-          </p:cNvPr>
-          <p:cNvSpPr>
-            <a:spLocks noGrp="1" noRot="1" noChangeAspect="1" noMove="1" noResize="1" noEditPoints="1" noAdjustHandles="1" noChangeArrowheads="1" noChangeShapeType="1" noTextEdit="1"/>
-          </p:cNvSpPr>
-          <p:nvPr>
-            <p:extLst>
-              <p:ext uri="{386F3935-93C4-4BCD-93E2-E3B085C9AB24}">
-                <p16:designElem xmlns:p16="http://schemas.microsoft.com/office/powerpoint/2015/main" val="1"/>
-              </p:ext>
-            </p:extLst>
+      <p:sp>
+        <p:nvSpPr>
+          <p:cNvPr id="2" name="Title 1">
+            <a:extLst>
+              <a:ext uri="{FF2B5EF4-FFF2-40B4-BE49-F238E27FC236}">
+                <a16:creationId xmlns:a16="http://schemas.microsoft.com/office/drawing/2014/main" id="{B2EE46FE-3F32-E54D-B810-2112E37A9B06}"/>
+              </a:ext>
+            </a:extLst>
+          </p:cNvPr>
+          <p:cNvSpPr>
+            <a:spLocks noGrp="1"/>
+          </p:cNvSpPr>
+          <p:nvPr>
+            <p:ph type="title"/>
           </p:nvPr>
         </p:nvSpPr>
         <p:spPr>
           <a:xfrm>
-            <a:off x="7467600" y="1371601"/>
-            <a:ext cx="3390900" cy="4114800"/>
-          </a:xfrm>
-          <a:prstGeom prst="rect">
-            <a:avLst/>
-          </a:prstGeom>
-          <a:ln>
-            <a:noFill/>
-          </a:ln>
-        </p:spPr>
-        <p:style>
-          <a:lnRef idx="2">
-            <a:schemeClr val="accent1">
-              <a:shade val="50000"/>
-            </a:schemeClr>
-          </a:lnRef>
-          <a:fillRef idx="1">
-            <a:schemeClr val="accent1"/>
-          </a:fillRef>
-          <a:effectRef idx="0">
-            <a:schemeClr val="accent1"/>
-          </a:effectRef>
-          <a:fontRef idx="minor">
-            <a:schemeClr val="lt1"/>
-          </a:fontRef>
-        </p:style>
-        <p:txBody>
-          <a:bodyPr rtlCol="0" anchor="ctr"/>
-          <a:lstStyle/>
-          <a:p>
-            <a:pPr algn="ctr"/>
-            <a:endParaRPr lang="en-US"/>
-          </a:p>
-        </p:txBody>
-      </p:sp>
-      <p:sp>
-        <p:nvSpPr>
-          <p:cNvPr id="2" name="Title 1">
-            <a:extLst>
-              <a:ext uri="{FF2B5EF4-FFF2-40B4-BE49-F238E27FC236}">
-                <a16:creationId xmlns:a16="http://schemas.microsoft.com/office/drawing/2014/main" id="{B2EE46FE-3F32-E54D-B810-2112E37A9B06}"/>
-              </a:ext>
-            </a:extLst>
-          </p:cNvPr>
-          <p:cNvSpPr>
-            <a:spLocks noGrp="1"/>
-          </p:cNvSpPr>
-          <p:nvPr>
-            <p:ph type="title"/>
-          </p:nvPr>
-        </p:nvSpPr>
-        <p:spPr>
-          <a:xfrm>
-            <a:off x="7952936" y="1674629"/>
-            <a:ext cx="2550941" cy="1329828"/>
+            <a:off x="6781800" y="510494"/>
+            <a:ext cx="4741045" cy="1022884"/>
           </a:xfrm>
         </p:spPr>
         <p:txBody>
@@ -4847,7 +5354,7 @@
           <a:p>
             <a:pPr algn="ctr"/>
             <a:r>
-              <a:rPr lang="en-US" sz="2200" kern="1200" cap="all" spc="300" baseline="0" dirty="0">
+              <a:rPr lang="en-US" kern="1200" cap="all" spc="300" baseline="0" dirty="0">
                 <a:solidFill>
                   <a:schemeClr val="tx2"/>
                 </a:solidFill>
@@ -4860,6 +5367,37 @@
           </a:p>
         </p:txBody>
       </p:sp>
+      <p:pic>
+        <p:nvPicPr>
+          <p:cNvPr id="24" name="Content Placeholder 23" descr="A close up of a scoreboard&#10;&#10;Description automatically generated">
+            <a:extLst>
+              <a:ext uri="{FF2B5EF4-FFF2-40B4-BE49-F238E27FC236}">
+                <a16:creationId xmlns:a16="http://schemas.microsoft.com/office/drawing/2014/main" id="{6FC6CC5D-D3B3-7F40-8779-C09333A021C5}"/>
+              </a:ext>
+            </a:extLst>
+          </p:cNvPr>
+          <p:cNvPicPr>
+            <a:picLocks noGrp="1" noChangeAspect="1"/>
+          </p:cNvPicPr>
+          <p:nvPr>
+            <p:ph idx="1"/>
+          </p:nvPr>
+        </p:nvPicPr>
+        <p:blipFill rotWithShape="1">
+          <a:blip r:embed="rId2"/>
+          <a:srcRect l="1199" r="9335"/>
+          <a:stretch/>
+        </p:blipFill>
+        <p:spPr>
+          <a:xfrm>
+            <a:off x="685801" y="685800"/>
+            <a:ext cx="4724400" cy="5486400"/>
+          </a:xfrm>
+          <a:prstGeom prst="rect">
+            <a:avLst/>
+          </a:prstGeom>
+        </p:spPr>
+      </p:pic>
       <p:sp>
         <p:nvSpPr>
           <p:cNvPr id="25" name="TextBox 24">
@@ -4874,8 +5412,74 @@
         </p:nvSpPr>
         <p:spPr>
           <a:xfrm>
-            <a:off x="7952936" y="3602851"/>
-            <a:ext cx="2550941" cy="1200329"/>
+            <a:off x="6701170" y="5014913"/>
+            <a:ext cx="4821675" cy="1273692"/>
+          </a:xfrm>
+          <a:prstGeom prst="rect">
+            <a:avLst/>
+          </a:prstGeom>
+        </p:spPr>
+        <p:txBody>
+          <a:bodyPr vert="horz" lIns="91440" tIns="45720" rIns="91440" bIns="45720" rtlCol="0">
+            <a:normAutofit/>
+          </a:bodyPr>
+          <a:lstStyle/>
+          <a:p>
+            <a:pPr indent="-228600" defTabSz="914400">
+              <a:spcAft>
+                <a:spcPts val="600"/>
+              </a:spcAft>
+              <a:buSzPct val="70000"/>
+              <a:buFont typeface="Arial" panose="020B0604020202020204" pitchFamily="34" charset="0"/>
+              <a:buChar char="•"/>
+            </a:pPr>
+            <a:r>
+              <a:rPr lang="en-US" dirty="0">
+                <a:solidFill>
+                  <a:schemeClr val="tx2"/>
+                </a:solidFill>
+                <a:latin typeface="+mj-lt"/>
+              </a:rPr>
+              <a:t>Algorithms:</a:t>
+            </a:r>
+          </a:p>
+          <a:p>
+            <a:pPr indent="-228600" defTabSz="914400">
+              <a:spcAft>
+                <a:spcPts val="600"/>
+              </a:spcAft>
+              <a:buSzPct val="70000"/>
+              <a:buFont typeface="Arial" panose="020B0604020202020204" pitchFamily="34" charset="0"/>
+              <a:buChar char="•"/>
+            </a:pPr>
+            <a:r>
+              <a:rPr lang="en-US" dirty="0">
+                <a:solidFill>
+                  <a:schemeClr val="tx2"/>
+                </a:solidFill>
+                <a:latin typeface="+mj-lt"/>
+              </a:rPr>
+              <a:t>Hill climbing, Simulated annealing, and deep neural networks. </a:t>
+            </a:r>
+          </a:p>
+        </p:txBody>
+      </p:sp>
+      <p:sp>
+        <p:nvSpPr>
+          <p:cNvPr id="3" name="TextBox 2">
+            <a:extLst>
+              <a:ext uri="{FF2B5EF4-FFF2-40B4-BE49-F238E27FC236}">
+                <a16:creationId xmlns:a16="http://schemas.microsoft.com/office/drawing/2014/main" id="{AE7A4EA8-5F9F-7F43-A2B8-38743396C04B}"/>
+              </a:ext>
+            </a:extLst>
+          </p:cNvPr>
+          <p:cNvSpPr txBox="1"/>
+          <p:nvPr/>
+        </p:nvSpPr>
+        <p:spPr>
+          <a:xfrm>
+            <a:off x="6701170" y="2042074"/>
+            <a:ext cx="4724399" cy="1231106"/>
           </a:xfrm>
           <a:prstGeom prst="rect">
             <a:avLst/>
@@ -4888,15 +5492,105 @@
           </a:bodyPr>
           <a:lstStyle/>
           <a:p>
+            <a:pPr>
+              <a:spcAft>
+                <a:spcPts val="600"/>
+              </a:spcAft>
+            </a:pPr>
+            <a:r>
+              <a:rPr lang="en-US" sz="1600" dirty="0"/>
+              <a:t>Function:</a:t>
+            </a:r>
+            <a:br>
+              <a:rPr lang="en-US" sz="1600" dirty="0"/>
+            </a:br>
+            <a:r>
+              <a:rPr lang="en-US" sz="1600" dirty="0"/>
+              <a:t>1.Removing a bulb from a cell</a:t>
+            </a:r>
+          </a:p>
+          <a:p>
+            <a:pPr>
+              <a:spcAft>
+                <a:spcPts val="600"/>
+              </a:spcAft>
+            </a:pPr>
+            <a:r>
+              <a:rPr lang="en-US" sz="1600" dirty="0"/>
+              <a:t>2. Adding a bulb into an empty cell</a:t>
+            </a:r>
+          </a:p>
+          <a:p>
+            <a:pPr>
+              <a:spcAft>
+                <a:spcPts val="600"/>
+              </a:spcAft>
+            </a:pPr>
+            <a:r>
+              <a:rPr lang="en-US" sz="1600" dirty="0"/>
+              <a:t>3. Moving a bulb from one cell to another empty cell</a:t>
+            </a:r>
+          </a:p>
+        </p:txBody>
+      </p:sp>
+      <p:sp>
+        <p:nvSpPr>
+          <p:cNvPr id="4" name="TextBox 3">
+            <a:extLst>
+              <a:ext uri="{FF2B5EF4-FFF2-40B4-BE49-F238E27FC236}">
+                <a16:creationId xmlns:a16="http://schemas.microsoft.com/office/drawing/2014/main" id="{BE3CE546-4B61-544A-B5EA-F231E6797F1F}"/>
+              </a:ext>
+            </a:extLst>
+          </p:cNvPr>
+          <p:cNvSpPr txBox="1"/>
+          <p:nvPr/>
+        </p:nvSpPr>
+        <p:spPr>
+          <a:xfrm>
+            <a:off x="6781800" y="3428999"/>
+            <a:ext cx="3090441" cy="1077218"/>
+          </a:xfrm>
+          <a:prstGeom prst="rect">
+            <a:avLst/>
+          </a:prstGeom>
+          <a:noFill/>
+        </p:spPr>
+        <p:txBody>
+          <a:bodyPr wrap="square" rtlCol="0">
+            <a:spAutoFit/>
+          </a:bodyPr>
+          <a:lstStyle/>
+          <a:p>
+            <a:pPr>
+              <a:spcAft>
+                <a:spcPts val="600"/>
+              </a:spcAft>
+            </a:pPr>
             <a:r>
               <a:rPr lang="en-US" dirty="0"/>
-              <a:t>Algorithms:</a:t>
-            </a:r>
-          </a:p>
-          <a:p>
+              <a:t>Fitness score: </a:t>
+            </a:r>
+          </a:p>
+          <a:p>
+            <a:pPr>
+              <a:spcAft>
+                <a:spcPts val="600"/>
+              </a:spcAft>
+            </a:pPr>
             <a:r>
               <a:rPr lang="en-US" dirty="0"/>
-              <a:t>Hill climbing, Simulated annealing, and deep neural networks. </a:t>
+              <a:t>Positive: number of lit up cells</a:t>
+            </a:r>
+          </a:p>
+          <a:p>
+            <a:pPr>
+              <a:spcAft>
+                <a:spcPts val="600"/>
+              </a:spcAft>
+            </a:pPr>
+            <a:r>
+              <a:rPr lang="en-US" dirty="0"/>
+              <a:t>Negative: number of violations</a:t>
             </a:r>
           </a:p>
         </p:txBody>
@@ -5039,6 +5733,1487 @@
     <p:extLst>
       <p:ext uri="{BB962C8B-B14F-4D97-AF65-F5344CB8AC3E}">
         <p14:creationId xmlns:p14="http://schemas.microsoft.com/office/powerpoint/2010/main" val="1157426013"/>
+      </p:ext>
+    </p:extLst>
+  </p:cSld>
+  <p:clrMapOvr>
+    <a:masterClrMapping/>
+  </p:clrMapOvr>
+</p:sld>
+</file>
+
+<file path=ppt/slides/slide6.xml><?xml version="1.0" encoding="utf-8"?>
+<p:sld xmlns:a="http://schemas.openxmlformats.org/drawingml/2006/main" xmlns:r="http://schemas.openxmlformats.org/officeDocument/2006/relationships" xmlns:p="http://schemas.openxmlformats.org/presentationml/2006/main">
+  <p:cSld>
+    <p:spTree>
+      <p:nvGrpSpPr>
+        <p:cNvPr id="1" name=""/>
+        <p:cNvGrpSpPr/>
+        <p:nvPr/>
+      </p:nvGrpSpPr>
+      <p:grpSpPr>
+        <a:xfrm>
+          <a:off x="0" y="0"/>
+          <a:ext cx="0" cy="0"/>
+          <a:chOff x="0" y="0"/>
+          <a:chExt cx="0" cy="0"/>
+        </a:xfrm>
+      </p:grpSpPr>
+      <p:sp>
+        <p:nvSpPr>
+          <p:cNvPr id="23554" name="Rectangle 5">
+            <a:extLst>
+              <a:ext uri="{FF2B5EF4-FFF2-40B4-BE49-F238E27FC236}">
+                <a16:creationId xmlns:a16="http://schemas.microsoft.com/office/drawing/2014/main" id="{977933A0-8D48-49F7-B24A-DA8CAC1D2DED}"/>
+              </a:ext>
+            </a:extLst>
+          </p:cNvPr>
+          <p:cNvSpPr>
+            <a:spLocks noChangeArrowheads="1"/>
+          </p:cNvSpPr>
+          <p:nvPr/>
+        </p:nvSpPr>
+        <p:spPr bwMode="auto">
+          <a:xfrm>
+            <a:off x="9669464" y="6225310"/>
+            <a:ext cx="998537" cy="632691"/>
+          </a:xfrm>
+          <a:prstGeom prst="rect">
+            <a:avLst/>
+          </a:prstGeom>
+          <a:noFill/>
+          <a:ln>
+            <a:noFill/>
+          </a:ln>
+        </p:spPr>
+        <p:txBody>
+          <a:bodyPr wrap="none" lIns="90487" tIns="44450" rIns="90487" bIns="44450"/>
+          <a:lstStyle>
+            <a:lvl1pPr eaLnBrk="0" hangingPunct="0">
+              <a:defRPr>
+                <a:solidFill>
+                  <a:schemeClr val="tx1"/>
+                </a:solidFill>
+                <a:latin typeface="Helvetica" panose="020B0604020202020204" pitchFamily="34" charset="0"/>
+                <a:cs typeface="Arial" panose="020B0604020202020204" pitchFamily="34" charset="0"/>
+              </a:defRPr>
+            </a:lvl1pPr>
+            <a:lvl2pPr marL="742950" indent="-285750" eaLnBrk="0" hangingPunct="0">
+              <a:defRPr>
+                <a:solidFill>
+                  <a:schemeClr val="tx1"/>
+                </a:solidFill>
+                <a:latin typeface="Helvetica" panose="020B0604020202020204" pitchFamily="34" charset="0"/>
+                <a:cs typeface="Arial" panose="020B0604020202020204" pitchFamily="34" charset="0"/>
+              </a:defRPr>
+            </a:lvl2pPr>
+            <a:lvl3pPr marL="1143000" indent="-228600" eaLnBrk="0" hangingPunct="0">
+              <a:defRPr>
+                <a:solidFill>
+                  <a:schemeClr val="tx1"/>
+                </a:solidFill>
+                <a:latin typeface="Helvetica" panose="020B0604020202020204" pitchFamily="34" charset="0"/>
+                <a:cs typeface="Arial" panose="020B0604020202020204" pitchFamily="34" charset="0"/>
+              </a:defRPr>
+            </a:lvl3pPr>
+            <a:lvl4pPr marL="1600200" indent="-228600" eaLnBrk="0" hangingPunct="0">
+              <a:defRPr>
+                <a:solidFill>
+                  <a:schemeClr val="tx1"/>
+                </a:solidFill>
+                <a:latin typeface="Helvetica" panose="020B0604020202020204" pitchFamily="34" charset="0"/>
+                <a:cs typeface="Arial" panose="020B0604020202020204" pitchFamily="34" charset="0"/>
+              </a:defRPr>
+            </a:lvl4pPr>
+            <a:lvl5pPr marL="2057400" indent="-228600" eaLnBrk="0" hangingPunct="0">
+              <a:defRPr>
+                <a:solidFill>
+                  <a:schemeClr val="tx1"/>
+                </a:solidFill>
+                <a:latin typeface="Helvetica" panose="020B0604020202020204" pitchFamily="34" charset="0"/>
+                <a:cs typeface="Arial" panose="020B0604020202020204" pitchFamily="34" charset="0"/>
+              </a:defRPr>
+            </a:lvl5pPr>
+            <a:lvl6pPr marL="2514600" indent="-228600" eaLnBrk="0" fontAlgn="base" hangingPunct="0">
+              <a:spcBef>
+                <a:spcPct val="0"/>
+              </a:spcBef>
+              <a:spcAft>
+                <a:spcPct val="0"/>
+              </a:spcAft>
+              <a:defRPr>
+                <a:solidFill>
+                  <a:schemeClr val="tx1"/>
+                </a:solidFill>
+                <a:latin typeface="Helvetica" panose="020B0604020202020204" pitchFamily="34" charset="0"/>
+                <a:cs typeface="Arial" panose="020B0604020202020204" pitchFamily="34" charset="0"/>
+              </a:defRPr>
+            </a:lvl6pPr>
+            <a:lvl7pPr marL="2971800" indent="-228600" eaLnBrk="0" fontAlgn="base" hangingPunct="0">
+              <a:spcBef>
+                <a:spcPct val="0"/>
+              </a:spcBef>
+              <a:spcAft>
+                <a:spcPct val="0"/>
+              </a:spcAft>
+              <a:defRPr>
+                <a:solidFill>
+                  <a:schemeClr val="tx1"/>
+                </a:solidFill>
+                <a:latin typeface="Helvetica" panose="020B0604020202020204" pitchFamily="34" charset="0"/>
+                <a:cs typeface="Arial" panose="020B0604020202020204" pitchFamily="34" charset="0"/>
+              </a:defRPr>
+            </a:lvl7pPr>
+            <a:lvl8pPr marL="3429000" indent="-228600" eaLnBrk="0" fontAlgn="base" hangingPunct="0">
+              <a:spcBef>
+                <a:spcPct val="0"/>
+              </a:spcBef>
+              <a:spcAft>
+                <a:spcPct val="0"/>
+              </a:spcAft>
+              <a:defRPr>
+                <a:solidFill>
+                  <a:schemeClr val="tx1"/>
+                </a:solidFill>
+                <a:latin typeface="Helvetica" panose="020B0604020202020204" pitchFamily="34" charset="0"/>
+                <a:cs typeface="Arial" panose="020B0604020202020204" pitchFamily="34" charset="0"/>
+              </a:defRPr>
+            </a:lvl8pPr>
+            <a:lvl9pPr marL="3886200" indent="-228600" eaLnBrk="0" fontAlgn="base" hangingPunct="0">
+              <a:spcBef>
+                <a:spcPct val="0"/>
+              </a:spcBef>
+              <a:spcAft>
+                <a:spcPct val="0"/>
+              </a:spcAft>
+              <a:defRPr>
+                <a:solidFill>
+                  <a:schemeClr val="tx1"/>
+                </a:solidFill>
+                <a:latin typeface="Helvetica" panose="020B0604020202020204" pitchFamily="34" charset="0"/>
+                <a:cs typeface="Arial" panose="020B0604020202020204" pitchFamily="34" charset="0"/>
+              </a:defRPr>
+            </a:lvl9pPr>
+          </a:lstStyle>
+          <a:p>
+            <a:endParaRPr lang="en-US" altLang="en-US">
+              <a:solidFill>
+                <a:schemeClr val="bg1">
+                  <a:lumMod val="95000"/>
+                </a:schemeClr>
+              </a:solidFill>
+            </a:endParaRPr>
+          </a:p>
+        </p:txBody>
+      </p:sp>
+      <p:sp>
+        <p:nvSpPr>
+          <p:cNvPr id="23555" name="Title 1">
+            <a:extLst>
+              <a:ext uri="{FF2B5EF4-FFF2-40B4-BE49-F238E27FC236}">
+                <a16:creationId xmlns:a16="http://schemas.microsoft.com/office/drawing/2014/main" id="{23F8762A-777A-40BF-A3B9-60DCC77C1918}"/>
+              </a:ext>
+            </a:extLst>
+          </p:cNvPr>
+          <p:cNvSpPr>
+            <a:spLocks noGrp="1"/>
+          </p:cNvSpPr>
+          <p:nvPr>
+            <p:ph type="title"/>
+          </p:nvPr>
+        </p:nvSpPr>
+        <p:spPr>
+          <a:xfrm>
+            <a:off x="2925618" y="355374"/>
+            <a:ext cx="6340764" cy="598055"/>
+          </a:xfrm>
+        </p:spPr>
+        <p:txBody>
+          <a:bodyPr anchor="ctr" anchorCtr="0">
+            <a:normAutofit fontScale="90000"/>
+          </a:bodyPr>
+          <a:lstStyle/>
+          <a:p>
+            <a:pPr algn="ctr"/>
+            <a:r>
+              <a:rPr lang="en-US" altLang="en-US" sz="2400" b="1" dirty="0">
+                <a:solidFill>
+                  <a:schemeClr val="tx1"/>
+                </a:solidFill>
+              </a:rPr>
+              <a:t>Baseline III:  Training a neural network</a:t>
+            </a:r>
+          </a:p>
+        </p:txBody>
+      </p:sp>
+      <p:sp>
+        <p:nvSpPr>
+          <p:cNvPr id="23556" name="Content Placeholder 2">
+            <a:extLst>
+              <a:ext uri="{FF2B5EF4-FFF2-40B4-BE49-F238E27FC236}">
+                <a16:creationId xmlns:a16="http://schemas.microsoft.com/office/drawing/2014/main" id="{57FA6FDE-F7B4-4E42-B240-933627E4D177}"/>
+              </a:ext>
+            </a:extLst>
+          </p:cNvPr>
+          <p:cNvSpPr>
+            <a:spLocks noGrp="1"/>
+          </p:cNvSpPr>
+          <p:nvPr>
+            <p:ph idx="1"/>
+          </p:nvPr>
+        </p:nvSpPr>
+        <p:spPr>
+          <a:xfrm>
+            <a:off x="1817649" y="4784988"/>
+            <a:ext cx="8682037" cy="1702928"/>
+          </a:xfrm>
+        </p:spPr>
+        <p:txBody>
+          <a:bodyPr>
+            <a:normAutofit fontScale="70000" lnSpcReduction="20000"/>
+          </a:bodyPr>
+          <a:lstStyle/>
+          <a:p>
+            <a:pPr>
+              <a:spcBef>
+                <a:spcPct val="0"/>
+              </a:spcBef>
+              <a:buFontTx/>
+              <a:buNone/>
+            </a:pPr>
+            <a:r>
+              <a:rPr lang="en-US" altLang="en-US" sz="2800" b="0" dirty="0"/>
+              <a:t>Given training set (x</a:t>
+            </a:r>
+            <a:r>
+              <a:rPr lang="en-US" altLang="en-US" sz="2800" b="0" baseline="-25000" dirty="0"/>
+              <a:t>1</a:t>
+            </a:r>
+            <a:r>
+              <a:rPr lang="en-US" altLang="en-US" sz="2800" b="0" dirty="0"/>
+              <a:t>, y</a:t>
+            </a:r>
+            <a:r>
+              <a:rPr lang="en-US" altLang="en-US" sz="2800" b="0" baseline="-25000" dirty="0"/>
+              <a:t>1</a:t>
+            </a:r>
+            <a:r>
+              <a:rPr lang="en-US" altLang="en-US" sz="2800" b="0" dirty="0"/>
+              <a:t>), (x</a:t>
+            </a:r>
+            <a:r>
+              <a:rPr lang="en-US" altLang="en-US" sz="2800" b="0" baseline="-25000" dirty="0"/>
+              <a:t>2</a:t>
+            </a:r>
+            <a:r>
+              <a:rPr lang="en-US" altLang="en-US" sz="2800" b="0" dirty="0"/>
+              <a:t>, y</a:t>
+            </a:r>
+            <a:r>
+              <a:rPr lang="en-US" altLang="en-US" sz="2800" b="0" baseline="-25000" dirty="0"/>
+              <a:t>2</a:t>
+            </a:r>
+            <a:r>
+              <a:rPr lang="en-US" altLang="en-US" sz="2800" b="0" dirty="0"/>
+              <a:t>), (x</a:t>
+            </a:r>
+            <a:r>
+              <a:rPr lang="en-US" altLang="en-US" sz="2800" b="0" baseline="-25000" dirty="0"/>
+              <a:t>3</a:t>
+            </a:r>
+            <a:r>
+              <a:rPr lang="en-US" altLang="en-US" sz="2800" b="0" dirty="0"/>
+              <a:t>, y</a:t>
+            </a:r>
+            <a:r>
+              <a:rPr lang="en-US" altLang="en-US" sz="2800" b="0" baseline="-25000" dirty="0"/>
+              <a:t>3 </a:t>
+            </a:r>
+            <a:r>
+              <a:rPr lang="en-US" altLang="en-US" sz="2800" b="0" dirty="0"/>
+              <a:t>), …. </a:t>
+            </a:r>
+          </a:p>
+          <a:p>
+            <a:pPr>
+              <a:spcBef>
+                <a:spcPct val="0"/>
+              </a:spcBef>
+              <a:buFontTx/>
+              <a:buNone/>
+            </a:pPr>
+            <a:endParaRPr lang="en-US" altLang="en-US" sz="2000" b="0" dirty="0"/>
+          </a:p>
+          <a:p>
+            <a:pPr>
+              <a:spcBef>
+                <a:spcPct val="0"/>
+              </a:spcBef>
+              <a:buFontTx/>
+              <a:buNone/>
+            </a:pPr>
+            <a:r>
+              <a:rPr lang="en-US" altLang="en-US" sz="2800" b="0" dirty="0"/>
+              <a:t>Adjust parameters </a:t>
+            </a:r>
+            <a:r>
+              <a:rPr lang="en-US" altLang="en-US" sz="2800" b="0" dirty="0">
+                <a:latin typeface="Symbol" panose="05050102010706020507" pitchFamily="18" charset="2"/>
+              </a:rPr>
+              <a:t>q</a:t>
+            </a:r>
+            <a:r>
+              <a:rPr lang="en-US" altLang="en-US" sz="2800" b="0" dirty="0"/>
+              <a:t> (for every node) to make: </a:t>
+            </a:r>
+          </a:p>
+          <a:p>
+            <a:pPr>
+              <a:spcBef>
+                <a:spcPct val="0"/>
+              </a:spcBef>
+              <a:buFontTx/>
+              <a:buNone/>
+            </a:pPr>
+            <a:endParaRPr lang="en-US" altLang="en-US" sz="2800" b="0" dirty="0"/>
+          </a:p>
+          <a:p>
+            <a:pPr>
+              <a:spcBef>
+                <a:spcPct val="0"/>
+              </a:spcBef>
+              <a:buFontTx/>
+              <a:buNone/>
+            </a:pPr>
+            <a:endParaRPr lang="en-US" altLang="en-US" sz="2400" b="0" dirty="0"/>
+          </a:p>
+          <a:p>
+            <a:pPr>
+              <a:spcBef>
+                <a:spcPct val="0"/>
+              </a:spcBef>
+              <a:buFontTx/>
+              <a:buNone/>
+            </a:pPr>
+            <a:r>
+              <a:rPr lang="en-US" altLang="en-US" sz="2800" b="0" dirty="0"/>
+              <a:t>(Use gradient descent. “Backpropagation” algorithm. Susceptible to local optima.)  </a:t>
+            </a:r>
+          </a:p>
+          <a:p>
+            <a:pPr>
+              <a:spcBef>
+                <a:spcPct val="0"/>
+              </a:spcBef>
+              <a:buFontTx/>
+              <a:buNone/>
+            </a:pPr>
+            <a:endParaRPr lang="en-US" altLang="en-US" sz="2800" dirty="0"/>
+          </a:p>
+        </p:txBody>
+      </p:sp>
+      <p:sp>
+        <p:nvSpPr>
+          <p:cNvPr id="2" name="Rectangle 1">
+            <a:extLst>
+              <a:ext uri="{FF2B5EF4-FFF2-40B4-BE49-F238E27FC236}">
+                <a16:creationId xmlns:a16="http://schemas.microsoft.com/office/drawing/2014/main" id="{35C0D9D1-2C6C-4F75-9994-115B4C278AF6}"/>
+              </a:ext>
+            </a:extLst>
+          </p:cNvPr>
+          <p:cNvSpPr/>
+          <p:nvPr/>
+        </p:nvSpPr>
+        <p:spPr>
+          <a:xfrm>
+            <a:off x="1817649" y="953429"/>
+            <a:ext cx="8151541" cy="45719"/>
+          </a:xfrm>
+          <a:prstGeom prst="rect">
+            <a:avLst/>
+          </a:prstGeom>
+          <a:solidFill>
+            <a:schemeClr val="tx1"/>
+          </a:solidFill>
+          <a:ln>
+            <a:solidFill>
+              <a:schemeClr val="tx1"/>
+            </a:solidFill>
+          </a:ln>
+        </p:spPr>
+        <p:style>
+          <a:lnRef idx="2">
+            <a:schemeClr val="accent1">
+              <a:shade val="50000"/>
+            </a:schemeClr>
+          </a:lnRef>
+          <a:fillRef idx="1">
+            <a:schemeClr val="accent1"/>
+          </a:fillRef>
+          <a:effectRef idx="0">
+            <a:schemeClr val="accent1"/>
+          </a:effectRef>
+          <a:fontRef idx="minor">
+            <a:schemeClr val="lt1"/>
+          </a:fontRef>
+        </p:style>
+        <p:txBody>
+          <a:bodyPr rtlCol="0" anchor="ctr"/>
+          <a:lstStyle/>
+          <a:p>
+            <a:pPr algn="ctr"/>
+            <a:endParaRPr lang="en-US"/>
+          </a:p>
+        </p:txBody>
+      </p:sp>
+      <p:pic>
+        <p:nvPicPr>
+          <p:cNvPr id="4" name="Picture 3">
+            <a:extLst>
+              <a:ext uri="{FF2B5EF4-FFF2-40B4-BE49-F238E27FC236}">
+                <a16:creationId xmlns:a16="http://schemas.microsoft.com/office/drawing/2014/main" id="{55EA4323-3857-49F4-B6C1-A1B4D172AD81}"/>
+              </a:ext>
+            </a:extLst>
+          </p:cNvPr>
+          <p:cNvPicPr>
+            <a:picLocks noChangeAspect="1"/>
+          </p:cNvPicPr>
+          <p:nvPr/>
+        </p:nvPicPr>
+        <p:blipFill>
+          <a:blip r:embed="rId3"/>
+          <a:stretch>
+            <a:fillRect/>
+          </a:stretch>
+        </p:blipFill>
+        <p:spPr>
+          <a:xfrm>
+            <a:off x="2633479" y="1194218"/>
+            <a:ext cx="6183773" cy="3192636"/>
+          </a:xfrm>
+          <a:prstGeom prst="rect">
+            <a:avLst/>
+          </a:prstGeom>
+        </p:spPr>
+      </p:pic>
+      <p:pic>
+        <p:nvPicPr>
+          <p:cNvPr id="6" name="Picture 5">
+            <a:extLst>
+              <a:ext uri="{FF2B5EF4-FFF2-40B4-BE49-F238E27FC236}">
+                <a16:creationId xmlns:a16="http://schemas.microsoft.com/office/drawing/2014/main" id="{92F38754-440D-4B1F-A350-8BAD3B925FEC}"/>
+              </a:ext>
+            </a:extLst>
+          </p:cNvPr>
+          <p:cNvPicPr>
+            <a:picLocks noChangeAspect="1"/>
+          </p:cNvPicPr>
+          <p:nvPr/>
+        </p:nvPicPr>
+        <p:blipFill>
+          <a:blip r:embed="rId4"/>
+          <a:stretch>
+            <a:fillRect/>
+          </a:stretch>
+        </p:blipFill>
+        <p:spPr>
+          <a:xfrm>
+            <a:off x="1530337" y="5530708"/>
+            <a:ext cx="4825858" cy="425775"/>
+          </a:xfrm>
+          <a:prstGeom prst="rect">
+            <a:avLst/>
+          </a:prstGeom>
+        </p:spPr>
+      </p:pic>
+    </p:spTree>
+  </p:cSld>
+  <p:clrMapOvr>
+    <a:masterClrMapping/>
+  </p:clrMapOvr>
+</p:sld>
+</file>
+
+<file path=ppt/slides/slide7.xml><?xml version="1.0" encoding="utf-8"?>
+<p:sld xmlns:a="http://schemas.openxmlformats.org/drawingml/2006/main" xmlns:r="http://schemas.openxmlformats.org/officeDocument/2006/relationships" xmlns:p="http://schemas.openxmlformats.org/presentationml/2006/main">
+  <p:cSld>
+    <p:bg>
+      <p:bgPr>
+        <a:solidFill>
+          <a:schemeClr val="bg1"/>
+        </a:solidFill>
+        <a:effectLst/>
+      </p:bgPr>
+    </p:bg>
+    <p:spTree>
+      <p:nvGrpSpPr>
+        <p:cNvPr id="1" name=""/>
+        <p:cNvGrpSpPr/>
+        <p:nvPr/>
+      </p:nvGrpSpPr>
+      <p:grpSpPr>
+        <a:xfrm>
+          <a:off x="0" y="0"/>
+          <a:ext cx="0" cy="0"/>
+          <a:chOff x="0" y="0"/>
+          <a:chExt cx="0" cy="0"/>
+        </a:xfrm>
+      </p:grpSpPr>
+      <p:sp useBgFill="1">
+        <p:nvSpPr>
+          <p:cNvPr id="38" name="Rectangle 37">
+            <a:extLst>
+              <a:ext uri="{FF2B5EF4-FFF2-40B4-BE49-F238E27FC236}">
+                <a16:creationId xmlns:a16="http://schemas.microsoft.com/office/drawing/2014/main" id="{C1CA7196-CAF1-4234-8849-E335F0BCA3E8}"/>
+              </a:ext>
+              <a:ext uri="{C183D7F6-B498-43B3-948B-1728B52AA6E4}">
+                <adec:decorative xmlns:adec="http://schemas.microsoft.com/office/drawing/2017/decorative" val="1"/>
+              </a:ext>
+            </a:extLst>
+          </p:cNvPr>
+          <p:cNvSpPr>
+            <a:spLocks noGrp="1" noRot="1" noChangeAspect="1" noMove="1" noResize="1" noEditPoints="1" noAdjustHandles="1" noChangeArrowheads="1" noChangeShapeType="1" noTextEdit="1"/>
+          </p:cNvSpPr>
+          <p:nvPr>
+            <p:extLst>
+              <p:ext uri="{386F3935-93C4-4BCD-93E2-E3B085C9AB24}">
+                <p16:designElem xmlns:p16="http://schemas.microsoft.com/office/powerpoint/2015/main" val="1"/>
+              </p:ext>
+            </p:extLst>
+          </p:nvPr>
+        </p:nvSpPr>
+        <p:spPr>
+          <a:xfrm>
+            <a:off x="0" y="0"/>
+            <a:ext cx="12192000" cy="6858000"/>
+          </a:xfrm>
+          <a:prstGeom prst="rect">
+            <a:avLst/>
+          </a:prstGeom>
+          <a:ln w="12700" cap="flat" cmpd="sng" algn="ctr">
+            <a:noFill/>
+            <a:prstDash val="solid"/>
+            <a:miter lim="800000"/>
+          </a:ln>
+          <a:effectLst/>
+          <a:extLst>
+            <a:ext uri="{91240B29-F687-4F45-9708-019B960494DF}">
+              <a14:hiddenLine xmlns:a14="http://schemas.microsoft.com/office/drawing/2010/main" w="12700" cap="flat" cmpd="sng" algn="ctr">
+                <a:solidFill>
+                  <a:schemeClr val="accent1">
+                    <a:shade val="50000"/>
+                  </a:schemeClr>
+                </a:solidFill>
+                <a:prstDash val="solid"/>
+                <a:miter lim="800000"/>
+              </a14:hiddenLine>
+            </a:ext>
+          </a:extLst>
+        </p:spPr>
+        <p:style>
+          <a:lnRef idx="2">
+            <a:schemeClr val="accent1">
+              <a:shade val="50000"/>
+            </a:schemeClr>
+          </a:lnRef>
+          <a:fillRef idx="1">
+            <a:schemeClr val="accent1"/>
+          </a:fillRef>
+          <a:effectRef idx="0">
+            <a:schemeClr val="accent1"/>
+          </a:effectRef>
+          <a:fontRef idx="minor">
+            <a:schemeClr val="lt1"/>
+          </a:fontRef>
+        </p:style>
+        <p:txBody>
+          <a:bodyPr rtlCol="0" anchor="ctr"/>
+          <a:lstStyle/>
+          <a:p>
+            <a:pPr algn="ctr"/>
+            <a:endParaRPr lang="en-US"/>
+          </a:p>
+        </p:txBody>
+      </p:sp>
+      <p:sp>
+        <p:nvSpPr>
+          <p:cNvPr id="40" name="Rectangle 39">
+            <a:extLst>
+              <a:ext uri="{FF2B5EF4-FFF2-40B4-BE49-F238E27FC236}">
+                <a16:creationId xmlns:a16="http://schemas.microsoft.com/office/drawing/2014/main" id="{8A7C3535-4FB5-4E5B-BDFE-FA61877AF1A9}"/>
+              </a:ext>
+              <a:ext uri="{C183D7F6-B498-43B3-948B-1728B52AA6E4}">
+                <adec:decorative xmlns:adec="http://schemas.microsoft.com/office/drawing/2017/decorative" val="1"/>
+              </a:ext>
+            </a:extLst>
+          </p:cNvPr>
+          <p:cNvSpPr>
+            <a:spLocks noGrp="1" noRot="1" noChangeAspect="1" noMove="1" noResize="1" noEditPoints="1" noAdjustHandles="1" noChangeArrowheads="1" noChangeShapeType="1" noTextEdit="1"/>
+          </p:cNvSpPr>
+          <p:nvPr>
+            <p:extLst>
+              <p:ext uri="{386F3935-93C4-4BCD-93E2-E3B085C9AB24}">
+                <p16:designElem xmlns:p16="http://schemas.microsoft.com/office/powerpoint/2015/main" val="1"/>
+              </p:ext>
+            </p:extLst>
+          </p:nvPr>
+        </p:nvSpPr>
+        <p:spPr>
+          <a:xfrm>
+            <a:off x="7467600" y="0"/>
+            <a:ext cx="4724400" cy="6858000"/>
+          </a:xfrm>
+          <a:prstGeom prst="rect">
+            <a:avLst/>
+          </a:prstGeom>
+          <a:solidFill>
+            <a:schemeClr val="tx2">
+              <a:lumMod val="75000"/>
+              <a:lumOff val="25000"/>
+              <a:alpha val="25000"/>
+            </a:schemeClr>
+          </a:solidFill>
+          <a:ln>
+            <a:noFill/>
+          </a:ln>
+        </p:spPr>
+        <p:style>
+          <a:lnRef idx="2">
+            <a:schemeClr val="accent1">
+              <a:shade val="50000"/>
+            </a:schemeClr>
+          </a:lnRef>
+          <a:fillRef idx="1">
+            <a:schemeClr val="accent1"/>
+          </a:fillRef>
+          <a:effectRef idx="0">
+            <a:schemeClr val="accent1"/>
+          </a:effectRef>
+          <a:fontRef idx="minor">
+            <a:schemeClr val="lt1"/>
+          </a:fontRef>
+        </p:style>
+        <p:txBody>
+          <a:bodyPr rtlCol="0" anchor="ctr"/>
+          <a:lstStyle/>
+          <a:p>
+            <a:pPr algn="ctr"/>
+            <a:endParaRPr lang="en-US"/>
+          </a:p>
+        </p:txBody>
+      </p:sp>
+      <p:sp>
+        <p:nvSpPr>
+          <p:cNvPr id="2" name="Title 1">
+            <a:extLst>
+              <a:ext uri="{FF2B5EF4-FFF2-40B4-BE49-F238E27FC236}">
+                <a16:creationId xmlns:a16="http://schemas.microsoft.com/office/drawing/2014/main" id="{B2EE46FE-3F32-E54D-B810-2112E37A9B06}"/>
+              </a:ext>
+            </a:extLst>
+          </p:cNvPr>
+          <p:cNvSpPr>
+            <a:spLocks noGrp="1"/>
+          </p:cNvSpPr>
+          <p:nvPr>
+            <p:ph type="title"/>
+          </p:nvPr>
+        </p:nvSpPr>
+        <p:spPr>
+          <a:xfrm>
+            <a:off x="7467602" y="0"/>
+            <a:ext cx="4724400" cy="871538"/>
+          </a:xfrm>
+        </p:spPr>
+        <p:txBody>
+          <a:bodyPr vert="horz" lIns="91440" tIns="45720" rIns="91440" bIns="45720" rtlCol="0" anchor="b">
+            <a:normAutofit/>
+          </a:bodyPr>
+          <a:lstStyle/>
+          <a:p>
+            <a:pPr algn="ctr"/>
+            <a:r>
+              <a:rPr lang="en-US" sz="2400" b="1" u="sng" kern="1200" cap="all" spc="300" baseline="0" dirty="0">
+                <a:solidFill>
+                  <a:schemeClr val="tx2"/>
+                </a:solidFill>
+                <a:latin typeface="+mj-lt"/>
+                <a:ea typeface="+mj-ea"/>
+                <a:cs typeface="+mj-cs"/>
+              </a:rPr>
+              <a:t>Approach</a:t>
+            </a:r>
+          </a:p>
+        </p:txBody>
+      </p:sp>
+      <p:pic>
+        <p:nvPicPr>
+          <p:cNvPr id="10" name="Picture 9">
+            <a:extLst>
+              <a:ext uri="{FF2B5EF4-FFF2-40B4-BE49-F238E27FC236}">
+                <a16:creationId xmlns:a16="http://schemas.microsoft.com/office/drawing/2014/main" id="{D6E3B9D4-0839-4E6A-97EE-7754F81D3E43}"/>
+              </a:ext>
+            </a:extLst>
+          </p:cNvPr>
+          <p:cNvPicPr>
+            <a:picLocks noChangeAspect="1"/>
+          </p:cNvPicPr>
+          <p:nvPr/>
+        </p:nvPicPr>
+        <p:blipFill>
+          <a:blip r:embed="rId2"/>
+          <a:stretch>
+            <a:fillRect/>
+          </a:stretch>
+        </p:blipFill>
+        <p:spPr>
+          <a:xfrm>
+            <a:off x="1046497" y="1214438"/>
+            <a:ext cx="5087408" cy="2632733"/>
+          </a:xfrm>
+          <a:prstGeom prst="rect">
+            <a:avLst/>
+          </a:prstGeom>
+        </p:spPr>
+      </p:pic>
+      <p:sp>
+        <p:nvSpPr>
+          <p:cNvPr id="25" name="TextBox 24">
+            <a:extLst>
+              <a:ext uri="{FF2B5EF4-FFF2-40B4-BE49-F238E27FC236}">
+                <a16:creationId xmlns:a16="http://schemas.microsoft.com/office/drawing/2014/main" id="{2402809E-C202-384C-9B42-546126FBF613}"/>
+              </a:ext>
+            </a:extLst>
+          </p:cNvPr>
+          <p:cNvSpPr txBox="1"/>
+          <p:nvPr/>
+        </p:nvSpPr>
+        <p:spPr>
+          <a:xfrm>
+            <a:off x="7467601" y="985838"/>
+            <a:ext cx="4724400" cy="5872162"/>
+          </a:xfrm>
+          <a:prstGeom prst="rect">
+            <a:avLst/>
+          </a:prstGeom>
+        </p:spPr>
+        <p:txBody>
+          <a:bodyPr vert="horz" lIns="91440" tIns="45720" rIns="91440" bIns="45720" rtlCol="0">
+            <a:normAutofit/>
+          </a:bodyPr>
+          <a:lstStyle/>
+          <a:p>
+            <a:pPr marL="0" marR="0" lvl="0" indent="-228600" defTabSz="914400" fontAlgn="auto">
+              <a:lnSpc>
+                <a:spcPct val="90000"/>
+              </a:lnSpc>
+              <a:spcBef>
+                <a:spcPts val="0"/>
+              </a:spcBef>
+              <a:spcAft>
+                <a:spcPts val="600"/>
+              </a:spcAft>
+              <a:buClrTx/>
+              <a:buSzPct val="70000"/>
+              <a:buFont typeface="Arial" panose="020B0604020202020204" pitchFamily="34" charset="0"/>
+              <a:buChar char="•"/>
+              <a:tabLst/>
+              <a:defRPr/>
+            </a:pPr>
+            <a:r>
+              <a:rPr kumimoji="0" lang="en-US" sz="1400" b="0" i="0" u="sng" strike="noStrike" cap="none" spc="0" normalizeH="0" baseline="0" noProof="0" dirty="0">
+                <a:ln>
+                  <a:noFill/>
+                </a:ln>
+                <a:solidFill>
+                  <a:schemeClr val="tx2"/>
+                </a:solidFill>
+                <a:effectLst/>
+                <a:uLnTx/>
+                <a:uFillTx/>
+                <a:latin typeface="+mj-lt"/>
+              </a:rPr>
+              <a:t>Inputs:</a:t>
+            </a:r>
+          </a:p>
+          <a:p>
+            <a:pPr marL="742950" lvl="1" indent="-228600" defTabSz="914400">
+              <a:lnSpc>
+                <a:spcPct val="90000"/>
+              </a:lnSpc>
+              <a:spcAft>
+                <a:spcPts val="600"/>
+              </a:spcAft>
+              <a:buSzPct val="70000"/>
+              <a:buFont typeface="Arial" panose="020B0604020202020204" pitchFamily="34" charset="0"/>
+              <a:buChar char="•"/>
+            </a:pPr>
+            <a:r>
+              <a:rPr kumimoji="0" lang="en-US" sz="1400" b="0" i="0" u="none" strike="noStrike" cap="none" spc="0" normalizeH="0" baseline="0" noProof="0" dirty="0">
+                <a:ln>
+                  <a:noFill/>
+                </a:ln>
+                <a:solidFill>
+                  <a:schemeClr val="tx2"/>
+                </a:solidFill>
+                <a:effectLst/>
+                <a:uLnTx/>
+                <a:uFillTx/>
+                <a:latin typeface="+mj-lt"/>
+              </a:rPr>
+              <a:t>Initial States</a:t>
+            </a:r>
+          </a:p>
+          <a:p>
+            <a:pPr marL="742950" lvl="1" indent="-228600" defTabSz="914400">
+              <a:lnSpc>
+                <a:spcPct val="90000"/>
+              </a:lnSpc>
+              <a:spcAft>
+                <a:spcPts val="600"/>
+              </a:spcAft>
+              <a:buSzPct val="70000"/>
+              <a:buFont typeface="Arial" panose="020B0604020202020204" pitchFamily="34" charset="0"/>
+              <a:buChar char="•"/>
+            </a:pPr>
+            <a:r>
+              <a:rPr lang="en-US" sz="1400" dirty="0">
+                <a:solidFill>
+                  <a:schemeClr val="tx2"/>
+                </a:solidFill>
+                <a:latin typeface="+mj-lt"/>
+              </a:rPr>
+              <a:t>Initialized Positions</a:t>
+            </a:r>
+            <a:r>
+              <a:rPr kumimoji="0" lang="en-US" sz="1400" b="0" i="0" u="none" strike="noStrike" cap="none" spc="0" normalizeH="0" baseline="0" noProof="0" dirty="0">
+                <a:ln>
+                  <a:noFill/>
+                </a:ln>
+                <a:solidFill>
+                  <a:schemeClr val="tx2"/>
+                </a:solidFill>
+                <a:effectLst/>
+                <a:uLnTx/>
+                <a:uFillTx/>
+                <a:latin typeface="+mj-lt"/>
+              </a:rPr>
+              <a:t> </a:t>
+            </a:r>
+          </a:p>
+          <a:p>
+            <a:pPr marR="0" lvl="0" defTabSz="914400" fontAlgn="auto">
+              <a:lnSpc>
+                <a:spcPct val="90000"/>
+              </a:lnSpc>
+              <a:spcBef>
+                <a:spcPts val="0"/>
+              </a:spcBef>
+              <a:spcAft>
+                <a:spcPts val="600"/>
+              </a:spcAft>
+              <a:buClrTx/>
+              <a:buSzPct val="70000"/>
+              <a:tabLst/>
+              <a:defRPr/>
+            </a:pPr>
+            <a:endParaRPr kumimoji="0" lang="en-US" sz="1400" b="0" i="0" u="none" strike="noStrike" cap="none" spc="0" normalizeH="0" baseline="0" noProof="0" dirty="0">
+              <a:ln>
+                <a:noFill/>
+              </a:ln>
+              <a:solidFill>
+                <a:schemeClr val="tx2"/>
+              </a:solidFill>
+              <a:effectLst/>
+              <a:uLnTx/>
+              <a:uFillTx/>
+              <a:latin typeface="+mj-lt"/>
+            </a:endParaRPr>
+          </a:p>
+          <a:p>
+            <a:pPr marL="0" marR="0" lvl="0" indent="-228600" defTabSz="914400" fontAlgn="auto">
+              <a:lnSpc>
+                <a:spcPct val="90000"/>
+              </a:lnSpc>
+              <a:spcBef>
+                <a:spcPts val="0"/>
+              </a:spcBef>
+              <a:spcAft>
+                <a:spcPts val="600"/>
+              </a:spcAft>
+              <a:buClrTx/>
+              <a:buSzPct val="70000"/>
+              <a:buFont typeface="Arial" panose="020B0604020202020204" pitchFamily="34" charset="0"/>
+              <a:buChar char="•"/>
+              <a:tabLst/>
+              <a:defRPr/>
+            </a:pPr>
+            <a:r>
+              <a:rPr kumimoji="0" lang="en-US" sz="1400" b="0" u="sng" strike="noStrike" cap="none" spc="0" normalizeH="0" baseline="0" noProof="0" dirty="0">
+                <a:ln>
+                  <a:noFill/>
+                </a:ln>
+                <a:solidFill>
+                  <a:schemeClr val="tx2"/>
+                </a:solidFill>
+                <a:effectLst/>
+                <a:uLnTx/>
+                <a:uFillTx/>
+                <a:latin typeface="+mj-lt"/>
+              </a:rPr>
+              <a:t>Outputs:</a:t>
+            </a:r>
+          </a:p>
+          <a:p>
+            <a:pPr marL="742950" lvl="1" indent="-228600" defTabSz="914400">
+              <a:lnSpc>
+                <a:spcPct val="90000"/>
+              </a:lnSpc>
+              <a:spcAft>
+                <a:spcPts val="600"/>
+              </a:spcAft>
+              <a:buSzPct val="70000"/>
+              <a:buFont typeface="Arial" panose="020B0604020202020204" pitchFamily="34" charset="0"/>
+              <a:buChar char="•"/>
+              <a:defRPr/>
+            </a:pPr>
+            <a:r>
+              <a:rPr kumimoji="0" lang="en-US" sz="1400" b="0" i="0" u="none" strike="noStrike" cap="none" spc="0" normalizeH="0" baseline="0" noProof="0" dirty="0">
+                <a:ln>
+                  <a:noFill/>
+                </a:ln>
+                <a:solidFill>
+                  <a:schemeClr val="tx2"/>
+                </a:solidFill>
+                <a:effectLst/>
+                <a:uLnTx/>
+                <a:uFillTx/>
+                <a:latin typeface="+mj-lt"/>
+              </a:rPr>
+              <a:t>Vector of moves to solve puzzle</a:t>
+            </a:r>
+          </a:p>
+          <a:p>
+            <a:pPr marL="1200150" lvl="2" indent="-228600" defTabSz="914400">
+              <a:lnSpc>
+                <a:spcPct val="90000"/>
+              </a:lnSpc>
+              <a:spcAft>
+                <a:spcPts val="600"/>
+              </a:spcAft>
+              <a:buSzPct val="70000"/>
+              <a:buFont typeface="Arial" panose="020B0604020202020204" pitchFamily="34" charset="0"/>
+              <a:buChar char="•"/>
+            </a:pPr>
+            <a:r>
+              <a:rPr lang="en-US" sz="1400" dirty="0">
+                <a:solidFill>
+                  <a:schemeClr val="tx2"/>
+                </a:solidFill>
+                <a:latin typeface="+mj-lt"/>
+              </a:rPr>
+              <a:t>Note: Puzzles which require less moves will have 0 at remaining output vector space.</a:t>
+            </a:r>
+          </a:p>
+          <a:p>
+            <a:pPr marL="971550" lvl="2" defTabSz="914400">
+              <a:lnSpc>
+                <a:spcPct val="90000"/>
+              </a:lnSpc>
+              <a:spcAft>
+                <a:spcPts val="600"/>
+              </a:spcAft>
+              <a:buSzPct val="70000"/>
+            </a:pPr>
+            <a:r>
+              <a:rPr lang="en-US" sz="1400" dirty="0">
+                <a:solidFill>
+                  <a:schemeClr val="tx2"/>
+                </a:solidFill>
+                <a:latin typeface="+mj-lt"/>
+              </a:rPr>
+              <a:t>			</a:t>
+            </a:r>
+          </a:p>
+          <a:p>
+            <a:pPr marL="285750" indent="-228600" defTabSz="914400">
+              <a:lnSpc>
+                <a:spcPct val="90000"/>
+              </a:lnSpc>
+              <a:spcAft>
+                <a:spcPts val="600"/>
+              </a:spcAft>
+              <a:buSzPct val="70000"/>
+              <a:buFont typeface="Arial" panose="020B0604020202020204" pitchFamily="34" charset="0"/>
+              <a:buChar char="•"/>
+            </a:pPr>
+            <a:r>
+              <a:rPr kumimoji="0" lang="en-US" sz="1400" b="0" i="0" u="sng" strike="noStrike" cap="none" spc="0" normalizeH="0" baseline="0" noProof="0" dirty="0">
+                <a:ln>
+                  <a:noFill/>
+                </a:ln>
+                <a:solidFill>
+                  <a:schemeClr val="tx2"/>
+                </a:solidFill>
+                <a:effectLst/>
+                <a:uLnTx/>
+                <a:uFillTx/>
+                <a:latin typeface="+mj-lt"/>
+              </a:rPr>
+              <a:t>Activation Functions:</a:t>
+            </a:r>
+          </a:p>
+          <a:p>
+            <a:pPr marL="742950" lvl="1" indent="-228600" defTabSz="914400">
+              <a:lnSpc>
+                <a:spcPct val="90000"/>
+              </a:lnSpc>
+              <a:spcAft>
+                <a:spcPts val="600"/>
+              </a:spcAft>
+              <a:buSzPct val="70000"/>
+              <a:buFont typeface="Arial" panose="020B0604020202020204" pitchFamily="34" charset="0"/>
+              <a:buChar char="•"/>
+            </a:pPr>
+            <a:r>
+              <a:rPr kumimoji="0" lang="en-US" sz="1400" b="0" i="0" strike="noStrike" cap="none" spc="0" normalizeH="0" baseline="0" noProof="0" dirty="0">
+                <a:ln>
+                  <a:noFill/>
+                </a:ln>
+                <a:solidFill>
+                  <a:schemeClr val="tx2"/>
+                </a:solidFill>
+                <a:effectLst/>
+                <a:uLnTx/>
+                <a:uFillTx/>
+                <a:latin typeface="+mj-lt"/>
+              </a:rPr>
+              <a:t>Sigmoid: Classification </a:t>
+            </a:r>
+          </a:p>
+          <a:p>
+            <a:pPr marL="742950" lvl="1" indent="-228600" defTabSz="914400">
+              <a:lnSpc>
+                <a:spcPct val="90000"/>
+              </a:lnSpc>
+              <a:spcAft>
+                <a:spcPts val="600"/>
+              </a:spcAft>
+              <a:buSzPct val="70000"/>
+              <a:buFont typeface="Arial" panose="020B0604020202020204" pitchFamily="34" charset="0"/>
+              <a:buChar char="•"/>
+            </a:pPr>
+            <a:r>
+              <a:rPr lang="en-US" sz="1400" dirty="0">
+                <a:solidFill>
+                  <a:schemeClr val="tx2"/>
+                </a:solidFill>
+                <a:latin typeface="+mj-lt"/>
+              </a:rPr>
+              <a:t>SoftMax: Classification</a:t>
+            </a:r>
+            <a:endParaRPr kumimoji="0" lang="en-US" sz="1400" b="0" i="0" strike="noStrike" cap="none" spc="0" normalizeH="0" baseline="0" noProof="0" dirty="0">
+              <a:ln>
+                <a:noFill/>
+              </a:ln>
+              <a:solidFill>
+                <a:schemeClr val="tx2"/>
+              </a:solidFill>
+              <a:effectLst/>
+              <a:uLnTx/>
+              <a:uFillTx/>
+              <a:latin typeface="+mj-lt"/>
+            </a:endParaRPr>
+          </a:p>
+          <a:p>
+            <a:pPr marL="742950" lvl="1" indent="-228600" defTabSz="914400">
+              <a:lnSpc>
+                <a:spcPct val="90000"/>
+              </a:lnSpc>
+              <a:spcAft>
+                <a:spcPts val="600"/>
+              </a:spcAft>
+              <a:buSzPct val="70000"/>
+              <a:buFont typeface="Arial" panose="020B0604020202020204" pitchFamily="34" charset="0"/>
+              <a:buChar char="•"/>
+            </a:pPr>
+            <a:r>
+              <a:rPr lang="en-US" sz="1400" dirty="0">
+                <a:solidFill>
+                  <a:schemeClr val="tx2"/>
+                </a:solidFill>
+                <a:latin typeface="+mj-lt"/>
+              </a:rPr>
+              <a:t>Tanh: Regression within hidden layers</a:t>
+            </a:r>
+          </a:p>
+          <a:p>
+            <a:pPr marL="742950" lvl="1" indent="-228600" defTabSz="914400">
+              <a:lnSpc>
+                <a:spcPct val="90000"/>
+              </a:lnSpc>
+              <a:spcAft>
+                <a:spcPts val="600"/>
+              </a:spcAft>
+              <a:buSzPct val="70000"/>
+              <a:buFont typeface="Arial" panose="020B0604020202020204" pitchFamily="34" charset="0"/>
+              <a:buChar char="•"/>
+            </a:pPr>
+            <a:r>
+              <a:rPr kumimoji="0" lang="en-US" sz="1400" b="0" i="0" strike="noStrike" cap="none" spc="0" normalizeH="0" baseline="0" noProof="0" dirty="0">
+                <a:ln>
+                  <a:noFill/>
+                </a:ln>
+                <a:solidFill>
+                  <a:schemeClr val="tx2"/>
+                </a:solidFill>
+                <a:effectLst/>
+                <a:uLnTx/>
+                <a:uFillTx/>
+                <a:latin typeface="+mj-lt"/>
+              </a:rPr>
+              <a:t>Re</a:t>
+            </a:r>
+            <a:r>
+              <a:rPr lang="en-US" sz="1400" dirty="0">
+                <a:solidFill>
+                  <a:schemeClr val="tx2"/>
+                </a:solidFill>
+                <a:latin typeface="+mj-lt"/>
+              </a:rPr>
+              <a:t>LU: Regression within hidden layers</a:t>
+            </a:r>
+          </a:p>
+          <a:p>
+            <a:pPr marL="742950" lvl="1" indent="-228600" defTabSz="914400">
+              <a:lnSpc>
+                <a:spcPct val="90000"/>
+              </a:lnSpc>
+              <a:spcAft>
+                <a:spcPts val="600"/>
+              </a:spcAft>
+              <a:buSzPct val="70000"/>
+              <a:buFont typeface="Arial" panose="020B0604020202020204" pitchFamily="34" charset="0"/>
+              <a:buChar char="•"/>
+            </a:pPr>
+            <a:endParaRPr kumimoji="0" lang="en-US" sz="1400" b="0" i="0" strike="noStrike" cap="none" spc="0" normalizeH="0" baseline="0" noProof="0" dirty="0">
+              <a:ln>
+                <a:noFill/>
+              </a:ln>
+              <a:solidFill>
+                <a:schemeClr val="tx2"/>
+              </a:solidFill>
+              <a:effectLst/>
+              <a:uLnTx/>
+              <a:uFillTx/>
+              <a:latin typeface="+mj-lt"/>
+            </a:endParaRPr>
+          </a:p>
+          <a:p>
+            <a:pPr marL="285750" indent="-228600" defTabSz="914400">
+              <a:lnSpc>
+                <a:spcPct val="90000"/>
+              </a:lnSpc>
+              <a:spcAft>
+                <a:spcPts val="600"/>
+              </a:spcAft>
+              <a:buSzPct val="70000"/>
+              <a:buFont typeface="Arial" panose="020B0604020202020204" pitchFamily="34" charset="0"/>
+              <a:buChar char="•"/>
+            </a:pPr>
+            <a:r>
+              <a:rPr lang="en-US" sz="1400" u="sng" dirty="0">
+                <a:solidFill>
+                  <a:schemeClr val="tx2"/>
+                </a:solidFill>
+                <a:latin typeface="+mj-lt"/>
+              </a:rPr>
+              <a:t>Optimization Method:</a:t>
+            </a:r>
+          </a:p>
+          <a:p>
+            <a:pPr marL="742950" lvl="1" indent="-228600" defTabSz="914400">
+              <a:lnSpc>
+                <a:spcPct val="90000"/>
+              </a:lnSpc>
+              <a:spcAft>
+                <a:spcPts val="600"/>
+              </a:spcAft>
+              <a:buSzPct val="70000"/>
+              <a:buFont typeface="Arial" panose="020B0604020202020204" pitchFamily="34" charset="0"/>
+              <a:buChar char="•"/>
+            </a:pPr>
+            <a:r>
+              <a:rPr kumimoji="0" lang="en-US" sz="1400" b="0" i="0" strike="noStrike" cap="none" spc="0" normalizeH="0" baseline="0" noProof="0" dirty="0">
+                <a:ln>
+                  <a:noFill/>
+                </a:ln>
+                <a:solidFill>
+                  <a:schemeClr val="tx2"/>
+                </a:solidFill>
+                <a:effectLst/>
+                <a:uLnTx/>
+                <a:uFillTx/>
+                <a:latin typeface="+mj-lt"/>
+              </a:rPr>
+              <a:t>Stochastic Gradient Descent</a:t>
+            </a:r>
+            <a:endParaRPr lang="en-US" sz="1400" dirty="0">
+              <a:solidFill>
+                <a:schemeClr val="tx2"/>
+              </a:solidFill>
+              <a:latin typeface="+mj-lt"/>
+            </a:endParaRPr>
+          </a:p>
+          <a:p>
+            <a:pPr marL="742950" lvl="1" indent="-228600" defTabSz="914400">
+              <a:lnSpc>
+                <a:spcPct val="90000"/>
+              </a:lnSpc>
+              <a:spcAft>
+                <a:spcPts val="600"/>
+              </a:spcAft>
+              <a:buSzPct val="70000"/>
+              <a:buFont typeface="Arial" panose="020B0604020202020204" pitchFamily="34" charset="0"/>
+              <a:buChar char="•"/>
+            </a:pPr>
+            <a:endParaRPr kumimoji="0" lang="en-US" sz="1400" b="0" i="0" strike="noStrike" cap="none" spc="0" normalizeH="0" baseline="0" noProof="0" dirty="0">
+              <a:ln>
+                <a:noFill/>
+              </a:ln>
+              <a:solidFill>
+                <a:schemeClr val="tx2"/>
+              </a:solidFill>
+              <a:effectLst/>
+              <a:uLnTx/>
+              <a:uFillTx/>
+              <a:latin typeface="+mj-lt"/>
+            </a:endParaRPr>
+          </a:p>
+          <a:p>
+            <a:pPr marL="285750" indent="-228600" defTabSz="914400">
+              <a:lnSpc>
+                <a:spcPct val="90000"/>
+              </a:lnSpc>
+              <a:spcAft>
+                <a:spcPts val="600"/>
+              </a:spcAft>
+              <a:buSzPct val="70000"/>
+              <a:buFont typeface="Arial" panose="020B0604020202020204" pitchFamily="34" charset="0"/>
+              <a:buChar char="•"/>
+            </a:pPr>
+            <a:r>
+              <a:rPr lang="en-US" sz="1400" u="sng" dirty="0">
+                <a:solidFill>
+                  <a:schemeClr val="tx2"/>
+                </a:solidFill>
+                <a:latin typeface="+mj-lt"/>
+              </a:rPr>
+              <a:t>Tunning Parameters:</a:t>
+            </a:r>
+          </a:p>
+          <a:p>
+            <a:pPr marL="742950" lvl="1" indent="-228600" defTabSz="914400">
+              <a:lnSpc>
+                <a:spcPct val="90000"/>
+              </a:lnSpc>
+              <a:spcAft>
+                <a:spcPts val="600"/>
+              </a:spcAft>
+              <a:buSzPct val="70000"/>
+              <a:buFont typeface="Arial" panose="020B0604020202020204" pitchFamily="34" charset="0"/>
+              <a:buChar char="•"/>
+            </a:pPr>
+            <a:r>
+              <a:rPr kumimoji="0" lang="en-US" sz="1400" b="0" i="0" strike="noStrike" cap="none" spc="0" normalizeH="0" baseline="0" noProof="0" dirty="0">
+                <a:ln>
+                  <a:noFill/>
+                </a:ln>
+                <a:solidFill>
+                  <a:schemeClr val="tx2"/>
+                </a:solidFill>
+                <a:effectLst/>
+                <a:uLnTx/>
+                <a:uFillTx/>
+                <a:latin typeface="+mj-lt"/>
+              </a:rPr>
+              <a:t>Learning Rate</a:t>
+            </a:r>
+          </a:p>
+          <a:p>
+            <a:pPr marL="742950" lvl="1" indent="-228600" defTabSz="914400">
+              <a:lnSpc>
+                <a:spcPct val="90000"/>
+              </a:lnSpc>
+              <a:spcAft>
+                <a:spcPts val="600"/>
+              </a:spcAft>
+              <a:buSzPct val="70000"/>
+              <a:buFont typeface="Arial" panose="020B0604020202020204" pitchFamily="34" charset="0"/>
+              <a:buChar char="•"/>
+            </a:pPr>
+            <a:r>
+              <a:rPr lang="en-US" sz="1400" dirty="0">
+                <a:solidFill>
+                  <a:schemeClr val="tx2"/>
+                </a:solidFill>
+                <a:latin typeface="+mj-lt"/>
+              </a:rPr>
+              <a:t>Number of Neurons &amp; Hidden Layers</a:t>
+            </a:r>
+            <a:endParaRPr kumimoji="0" lang="en-US" sz="1400" b="0" i="0" strike="noStrike" cap="none" spc="0" normalizeH="0" baseline="0" noProof="0" dirty="0">
+              <a:ln>
+                <a:noFill/>
+              </a:ln>
+              <a:solidFill>
+                <a:schemeClr val="tx2"/>
+              </a:solidFill>
+              <a:effectLst/>
+              <a:uLnTx/>
+              <a:uFillTx/>
+              <a:latin typeface="+mj-lt"/>
+            </a:endParaRPr>
+          </a:p>
+        </p:txBody>
+      </p:sp>
+      <p:pic>
+        <p:nvPicPr>
+          <p:cNvPr id="12" name="Picture 11">
+            <a:extLst>
+              <a:ext uri="{FF2B5EF4-FFF2-40B4-BE49-F238E27FC236}">
+                <a16:creationId xmlns:a16="http://schemas.microsoft.com/office/drawing/2014/main" id="{FCE6397F-B073-4CE8-BA12-D5FCBF63300C}"/>
+              </a:ext>
+            </a:extLst>
+          </p:cNvPr>
+          <p:cNvPicPr>
+            <a:picLocks noChangeAspect="1"/>
+          </p:cNvPicPr>
+          <p:nvPr/>
+        </p:nvPicPr>
+        <p:blipFill>
+          <a:blip r:embed="rId3"/>
+          <a:stretch>
+            <a:fillRect/>
+          </a:stretch>
+        </p:blipFill>
+        <p:spPr>
+          <a:xfrm>
+            <a:off x="646976" y="396454"/>
+            <a:ext cx="5886450" cy="470389"/>
+          </a:xfrm>
+          <a:prstGeom prst="rect">
+            <a:avLst/>
+          </a:prstGeom>
+        </p:spPr>
+      </p:pic>
+      <p:sp>
+        <p:nvSpPr>
+          <p:cNvPr id="20" name="Content Placeholder 2">
+            <a:extLst>
+              <a:ext uri="{FF2B5EF4-FFF2-40B4-BE49-F238E27FC236}">
+                <a16:creationId xmlns:a16="http://schemas.microsoft.com/office/drawing/2014/main" id="{78C708CF-CEC3-4E60-B054-6921D2496127}"/>
+              </a:ext>
+            </a:extLst>
+          </p:cNvPr>
+          <p:cNvSpPr>
+            <a:spLocks noGrp="1"/>
+          </p:cNvSpPr>
+          <p:nvPr>
+            <p:ph idx="1"/>
+          </p:nvPr>
+        </p:nvSpPr>
+        <p:spPr>
+          <a:xfrm>
+            <a:off x="646976" y="4186958"/>
+            <a:ext cx="5886450" cy="2274588"/>
+          </a:xfrm>
+        </p:spPr>
+        <p:txBody>
+          <a:bodyPr>
+            <a:normAutofit lnSpcReduction="10000"/>
+          </a:bodyPr>
+          <a:lstStyle/>
+          <a:p>
+            <a:pPr algn="just">
+              <a:spcBef>
+                <a:spcPct val="0"/>
+              </a:spcBef>
+              <a:buFont typeface="Wingdings" panose="05000000000000000000" pitchFamily="2" charset="2"/>
+              <a:buChar char="§"/>
+            </a:pPr>
+            <a:r>
+              <a:rPr lang="en-US" altLang="en-US" sz="2000" b="0" dirty="0"/>
+              <a:t>Once the Simulated Annealing AI algorithm has been successfully developed, the goal is to:</a:t>
+            </a:r>
+          </a:p>
+          <a:p>
+            <a:pPr marL="0" indent="0" algn="just">
+              <a:spcBef>
+                <a:spcPct val="0"/>
+              </a:spcBef>
+              <a:buNone/>
+            </a:pPr>
+            <a:endParaRPr lang="en-US" altLang="en-US" sz="2000" b="0" dirty="0"/>
+          </a:p>
+          <a:p>
+            <a:pPr marL="800100" lvl="1" indent="-342900" algn="just">
+              <a:spcBef>
+                <a:spcPct val="0"/>
+              </a:spcBef>
+              <a:buFont typeface="+mj-lt"/>
+              <a:buAutoNum type="arabicPeriod"/>
+            </a:pPr>
+            <a:r>
+              <a:rPr lang="en-US" altLang="en-US" sz="1600" b="0" dirty="0"/>
+              <a:t>Run Simulated Annealing for approximately one week in order to store a large dataset of Initial States, Initialized Positions, and Solution steps to solve the puzzle.</a:t>
+            </a:r>
+          </a:p>
+          <a:p>
+            <a:pPr marL="800100" lvl="1" indent="-342900" algn="just">
+              <a:spcBef>
+                <a:spcPct val="0"/>
+              </a:spcBef>
+              <a:buFont typeface="+mj-lt"/>
+              <a:buAutoNum type="arabicPeriod"/>
+            </a:pPr>
+            <a:endParaRPr lang="en-US" altLang="en-US" sz="1600" b="0" dirty="0"/>
+          </a:p>
+          <a:p>
+            <a:pPr marL="800100" lvl="1" indent="-342900" algn="just">
+              <a:spcBef>
+                <a:spcPct val="0"/>
+              </a:spcBef>
+              <a:buFont typeface="+mj-lt"/>
+              <a:buAutoNum type="arabicPeriod"/>
+            </a:pPr>
+            <a:r>
+              <a:rPr lang="en-US" altLang="en-US" sz="1600" b="0" dirty="0"/>
+              <a:t> Use Deep Neural Networks to predict the Solution </a:t>
+            </a:r>
+            <a:r>
+              <a:rPr lang="en-US" altLang="en-US" sz="1600" dirty="0"/>
+              <a:t>S</a:t>
+            </a:r>
+            <a:r>
+              <a:rPr lang="en-US" altLang="en-US" sz="1600" b="0" dirty="0"/>
+              <a:t>teps given any Initial Configuration.</a:t>
+            </a:r>
+          </a:p>
+          <a:p>
+            <a:pPr>
+              <a:spcBef>
+                <a:spcPct val="0"/>
+              </a:spcBef>
+              <a:buFontTx/>
+              <a:buNone/>
+            </a:pPr>
+            <a:endParaRPr lang="en-US" altLang="en-US" sz="2800" dirty="0"/>
+          </a:p>
+        </p:txBody>
+      </p:sp>
+    </p:spTree>
+    <p:extLst>
+      <p:ext uri="{BB962C8B-B14F-4D97-AF65-F5344CB8AC3E}">
+        <p14:creationId xmlns:p14="http://schemas.microsoft.com/office/powerpoint/2010/main" val="4048351370"/>
       </p:ext>
     </p:extLst>
   </p:cSld>
@@ -5247,4 +7422,299 @@
     </a:ext>
   </a:extLst>
 </a:theme>
+</file>
+
+<file path=ppt/theme/theme2.xml><?xml version="1.0" encoding="utf-8"?>
+<a:theme xmlns:a="http://schemas.openxmlformats.org/drawingml/2006/main" name="Office Theme">
+  <a:themeElements>
+    <a:clrScheme name="Office">
+      <a:dk1>
+        <a:sysClr val="windowText" lastClr="000000"/>
+      </a:dk1>
+      <a:lt1>
+        <a:sysClr val="window" lastClr="FFFFFF"/>
+      </a:lt1>
+      <a:dk2>
+        <a:srgbClr val="44546A"/>
+      </a:dk2>
+      <a:lt2>
+        <a:srgbClr val="E7E6E6"/>
+      </a:lt2>
+      <a:accent1>
+        <a:srgbClr val="4472C4"/>
+      </a:accent1>
+      <a:accent2>
+        <a:srgbClr val="ED7D31"/>
+      </a:accent2>
+      <a:accent3>
+        <a:srgbClr val="A5A5A5"/>
+      </a:accent3>
+      <a:accent4>
+        <a:srgbClr val="FFC000"/>
+      </a:accent4>
+      <a:accent5>
+        <a:srgbClr val="5B9BD5"/>
+      </a:accent5>
+      <a:accent6>
+        <a:srgbClr val="70AD47"/>
+      </a:accent6>
+      <a:hlink>
+        <a:srgbClr val="0563C1"/>
+      </a:hlink>
+      <a:folHlink>
+        <a:srgbClr val="954F72"/>
+      </a:folHlink>
+    </a:clrScheme>
+    <a:fontScheme name="Office">
+      <a:majorFont>
+        <a:latin typeface="Calibri Light" panose="020F0302020204030204"/>
+        <a:ea typeface=""/>
+        <a:cs typeface=""/>
+        <a:font script="Jpan" typeface="游ゴシック Light"/>
+        <a:font script="Hang" typeface="맑은 고딕"/>
+        <a:font script="Hans" typeface="等线 Light"/>
+        <a:font script="Hant" typeface="新細明體"/>
+        <a:font script="Arab" typeface="Times New Roman"/>
+        <a:font script="Hebr" typeface="Times New Roman"/>
+        <a:font script="Thai" typeface="Angsana New"/>
+        <a:font script="Ethi" typeface="Nyala"/>
+        <a:font script="Beng" typeface="Vrinda"/>
+        <a:font script="Gujr" typeface="Shruti"/>
+        <a:font script="Khmr" typeface="MoolBoran"/>
+        <a:font script="Knda" typeface="Tunga"/>
+        <a:font script="Guru" typeface="Raavi"/>
+        <a:font script="Cans" typeface="Euphemia"/>
+        <a:font script="Cher" typeface="Plantagenet Cherokee"/>
+        <a:font script="Yiii" typeface="Microsoft Yi Baiti"/>
+        <a:font script="Tibt" typeface="Microsoft Himalaya"/>
+        <a:font script="Thaa" typeface="MV Boli"/>
+        <a:font script="Deva" typeface="Mangal"/>
+        <a:font script="Telu" typeface="Gautami"/>
+        <a:font script="Taml" typeface="Latha"/>
+        <a:font script="Syrc" typeface="Estrangelo Edessa"/>
+        <a:font script="Orya" typeface="Kalinga"/>
+        <a:font script="Mlym" typeface="Kartika"/>
+        <a:font script="Laoo" typeface="DokChampa"/>
+        <a:font script="Sinh" typeface="Iskoola Pota"/>
+        <a:font script="Mong" typeface="Mongolian Baiti"/>
+        <a:font script="Viet" typeface="Times New Roman"/>
+        <a:font script="Uigh" typeface="Microsoft Uighur"/>
+        <a:font script="Geor" typeface="Sylfaen"/>
+        <a:font script="Armn" typeface="Arial"/>
+        <a:font script="Bugi" typeface="Leelawadee UI"/>
+        <a:font script="Bopo" typeface="Microsoft JhengHei"/>
+        <a:font script="Java" typeface="Javanese Text"/>
+        <a:font script="Lisu" typeface="Segoe UI"/>
+        <a:font script="Mymr" typeface="Myanmar Text"/>
+        <a:font script="Nkoo" typeface="Ebrima"/>
+        <a:font script="Olck" typeface="Nirmala UI"/>
+        <a:font script="Osma" typeface="Ebrima"/>
+        <a:font script="Phag" typeface="Phagspa"/>
+        <a:font script="Syrn" typeface="Estrangelo Edessa"/>
+        <a:font script="Syrj" typeface="Estrangelo Edessa"/>
+        <a:font script="Syre" typeface="Estrangelo Edessa"/>
+        <a:font script="Sora" typeface="Nirmala UI"/>
+        <a:font script="Tale" typeface="Microsoft Tai Le"/>
+        <a:font script="Talu" typeface="Microsoft New Tai Lue"/>
+        <a:font script="Tfng" typeface="Ebrima"/>
+      </a:majorFont>
+      <a:minorFont>
+        <a:latin typeface="Calibri" panose="020F0502020204030204"/>
+        <a:ea typeface=""/>
+        <a:cs typeface=""/>
+        <a:font script="Jpan" typeface="游ゴシック"/>
+        <a:font script="Hang" typeface="맑은 고딕"/>
+        <a:font script="Hans" typeface="等线"/>
+        <a:font script="Hant" typeface="新細明體"/>
+        <a:font script="Arab" typeface="Arial"/>
+        <a:font script="Hebr" typeface="Arial"/>
+        <a:font script="Thai" typeface="Cordia New"/>
+        <a:font script="Ethi" typeface="Nyala"/>
+        <a:font script="Beng" typeface="Vrinda"/>
+        <a:font script="Gujr" typeface="Shruti"/>
+        <a:font script="Khmr" typeface="DaunPenh"/>
+        <a:font script="Knda" typeface="Tunga"/>
+        <a:font script="Guru" typeface="Raavi"/>
+        <a:font script="Cans" typeface="Euphemia"/>
+        <a:font script="Cher" typeface="Plantagenet Cherokee"/>
+        <a:font script="Yiii" typeface="Microsoft Yi Baiti"/>
+        <a:font script="Tibt" typeface="Microsoft Himalaya"/>
+        <a:font script="Thaa" typeface="MV Boli"/>
+        <a:font script="Deva" typeface="Mangal"/>
+        <a:font script="Telu" typeface="Gautami"/>
+        <a:font script="Taml" typeface="Latha"/>
+        <a:font script="Syrc" typeface="Estrangelo Edessa"/>
+        <a:font script="Orya" typeface="Kalinga"/>
+        <a:font script="Mlym" typeface="Kartika"/>
+        <a:font script="Laoo" typeface="DokChampa"/>
+        <a:font script="Sinh" typeface="Iskoola Pota"/>
+        <a:font script="Mong" typeface="Mongolian Baiti"/>
+        <a:font script="Viet" typeface="Arial"/>
+        <a:font script="Uigh" typeface="Microsoft Uighur"/>
+        <a:font script="Geor" typeface="Sylfaen"/>
+        <a:font script="Armn" typeface="Arial"/>
+        <a:font script="Bugi" typeface="Leelawadee UI"/>
+        <a:font script="Bopo" typeface="Microsoft JhengHei"/>
+        <a:font script="Java" typeface="Javanese Text"/>
+        <a:font script="Lisu" typeface="Segoe UI"/>
+        <a:font script="Mymr" typeface="Myanmar Text"/>
+        <a:font script="Nkoo" typeface="Ebrima"/>
+        <a:font script="Olck" typeface="Nirmala UI"/>
+        <a:font script="Osma" typeface="Ebrima"/>
+        <a:font script="Phag" typeface="Phagspa"/>
+        <a:font script="Syrn" typeface="Estrangelo Edessa"/>
+        <a:font script="Syrj" typeface="Estrangelo Edessa"/>
+        <a:font script="Syre" typeface="Estrangelo Edessa"/>
+        <a:font script="Sora" typeface="Nirmala UI"/>
+        <a:font script="Tale" typeface="Microsoft Tai Le"/>
+        <a:font script="Talu" typeface="Microsoft New Tai Lue"/>
+        <a:font script="Tfng" typeface="Ebrima"/>
+      </a:minorFont>
+    </a:fontScheme>
+    <a:fmtScheme name="Office">
+      <a:fillStyleLst>
+        <a:solidFill>
+          <a:schemeClr val="phClr"/>
+        </a:solidFill>
+        <a:gradFill rotWithShape="1">
+          <a:gsLst>
+            <a:gs pos="0">
+              <a:schemeClr val="phClr">
+                <a:lumMod val="110000"/>
+                <a:satMod val="105000"/>
+                <a:tint val="67000"/>
+              </a:schemeClr>
+            </a:gs>
+            <a:gs pos="50000">
+              <a:schemeClr val="phClr">
+                <a:lumMod val="105000"/>
+                <a:satMod val="103000"/>
+                <a:tint val="73000"/>
+              </a:schemeClr>
+            </a:gs>
+            <a:gs pos="100000">
+              <a:schemeClr val="phClr">
+                <a:lumMod val="105000"/>
+                <a:satMod val="109000"/>
+                <a:tint val="81000"/>
+              </a:schemeClr>
+            </a:gs>
+          </a:gsLst>
+          <a:lin ang="5400000" scaled="0"/>
+        </a:gradFill>
+        <a:gradFill rotWithShape="1">
+          <a:gsLst>
+            <a:gs pos="0">
+              <a:schemeClr val="phClr">
+                <a:satMod val="103000"/>
+                <a:lumMod val="102000"/>
+                <a:tint val="94000"/>
+              </a:schemeClr>
+            </a:gs>
+            <a:gs pos="50000">
+              <a:schemeClr val="phClr">
+                <a:satMod val="110000"/>
+                <a:lumMod val="100000"/>
+                <a:shade val="100000"/>
+              </a:schemeClr>
+            </a:gs>
+            <a:gs pos="100000">
+              <a:schemeClr val="phClr">
+                <a:lumMod val="99000"/>
+                <a:satMod val="120000"/>
+                <a:shade val="78000"/>
+              </a:schemeClr>
+            </a:gs>
+          </a:gsLst>
+          <a:lin ang="5400000" scaled="0"/>
+        </a:gradFill>
+      </a:fillStyleLst>
+      <a:lnStyleLst>
+        <a:ln w="6350" cap="flat" cmpd="sng" algn="ctr">
+          <a:solidFill>
+            <a:schemeClr val="phClr"/>
+          </a:solidFill>
+          <a:prstDash val="solid"/>
+          <a:miter lim="800000"/>
+        </a:ln>
+        <a:ln w="12700" cap="flat" cmpd="sng" algn="ctr">
+          <a:solidFill>
+            <a:schemeClr val="phClr"/>
+          </a:solidFill>
+          <a:prstDash val="solid"/>
+          <a:miter lim="800000"/>
+        </a:ln>
+        <a:ln w="19050" cap="flat" cmpd="sng" algn="ctr">
+          <a:solidFill>
+            <a:schemeClr val="phClr"/>
+          </a:solidFill>
+          <a:prstDash val="solid"/>
+          <a:miter lim="800000"/>
+        </a:ln>
+      </a:lnStyleLst>
+      <a:effectStyleLst>
+        <a:effectStyle>
+          <a:effectLst/>
+        </a:effectStyle>
+        <a:effectStyle>
+          <a:effectLst/>
+        </a:effectStyle>
+        <a:effectStyle>
+          <a:effectLst>
+            <a:outerShdw blurRad="57150" dist="19050" dir="5400000" algn="ctr" rotWithShape="0">
+              <a:srgbClr val="000000">
+                <a:alpha val="63000"/>
+              </a:srgbClr>
+            </a:outerShdw>
+          </a:effectLst>
+        </a:effectStyle>
+      </a:effectStyleLst>
+      <a:bgFillStyleLst>
+        <a:solidFill>
+          <a:schemeClr val="phClr"/>
+        </a:solidFill>
+        <a:solidFill>
+          <a:schemeClr val="phClr">
+            <a:tint val="95000"/>
+            <a:satMod val="170000"/>
+          </a:schemeClr>
+        </a:solidFill>
+        <a:gradFill rotWithShape="1">
+          <a:gsLst>
+            <a:gs pos="0">
+              <a:schemeClr val="phClr">
+                <a:tint val="93000"/>
+                <a:satMod val="150000"/>
+                <a:shade val="98000"/>
+                <a:lumMod val="102000"/>
+              </a:schemeClr>
+            </a:gs>
+            <a:gs pos="50000">
+              <a:schemeClr val="phClr">
+                <a:tint val="98000"/>
+                <a:satMod val="130000"/>
+                <a:shade val="90000"/>
+                <a:lumMod val="103000"/>
+              </a:schemeClr>
+            </a:gs>
+            <a:gs pos="100000">
+              <a:schemeClr val="phClr">
+                <a:shade val="63000"/>
+                <a:satMod val="120000"/>
+              </a:schemeClr>
+            </a:gs>
+          </a:gsLst>
+          <a:lin ang="5400000" scaled="0"/>
+        </a:gradFill>
+      </a:bgFillStyleLst>
+    </a:fmtScheme>
+  </a:themeElements>
+  <a:objectDefaults/>
+  <a:extraClrSchemeLst/>
+  <a:extLst>
+    <a:ext uri="{05A4C25C-085E-4340-85A3-A5531E510DB2}">
+      <thm15:themeFamily xmlns:thm15="http://schemas.microsoft.com/office/thememl/2012/main" name="Office Theme" id="{62F939B6-93AF-4DB8-9C6B-D6C7DFDC589F}" vid="{4A3C46E8-61CC-4603-A589-7422A47A8E4A}"/>
+    </a:ext>
+  </a:extLst>
+</a:theme>
 </file>
--- a/Presentation/COMP6600_Final.pptx
+++ b/Presentation/COMP6600_Final.pptx
@@ -11,8 +11,8 @@
     <p:sldId id="256" r:id="rId2"/>
     <p:sldId id="257" r:id="rId3"/>
     <p:sldId id="258" r:id="rId4"/>
-    <p:sldId id="259" r:id="rId5"/>
-    <p:sldId id="260" r:id="rId6"/>
+    <p:sldId id="260" r:id="rId5"/>
+    <p:sldId id="259" r:id="rId6"/>
     <p:sldId id="1169" r:id="rId7"/>
     <p:sldId id="1170" r:id="rId8"/>
   </p:sldIdLst>
@@ -5159,6 +5159,206 @@
 <file path=ppt/slides/slide4.xml><?xml version="1.0" encoding="utf-8"?>
 <p:sld xmlns:a="http://schemas.openxmlformats.org/drawingml/2006/main" xmlns:r="http://schemas.openxmlformats.org/officeDocument/2006/relationships" xmlns:p="http://schemas.openxmlformats.org/presentationml/2006/main">
   <p:cSld>
+    <p:spTree>
+      <p:nvGrpSpPr>
+        <p:cNvPr id="1" name=""/>
+        <p:cNvGrpSpPr/>
+        <p:nvPr/>
+      </p:nvGrpSpPr>
+      <p:grpSpPr>
+        <a:xfrm>
+          <a:off x="0" y="0"/>
+          <a:ext cx="0" cy="0"/>
+          <a:chOff x="0" y="0"/>
+          <a:chExt cx="0" cy="0"/>
+        </a:xfrm>
+      </p:grpSpPr>
+      <p:sp>
+        <p:nvSpPr>
+          <p:cNvPr id="2" name="Title 1">
+            <a:extLst>
+              <a:ext uri="{FF2B5EF4-FFF2-40B4-BE49-F238E27FC236}">
+                <a16:creationId xmlns:a16="http://schemas.microsoft.com/office/drawing/2014/main" id="{10060AB7-A8F3-0643-9B7C-F5E63D37F835}"/>
+              </a:ext>
+            </a:extLst>
+          </p:cNvPr>
+          <p:cNvSpPr>
+            <a:spLocks noGrp="1"/>
+          </p:cNvSpPr>
+          <p:nvPr>
+            <p:ph type="title"/>
+          </p:nvPr>
+        </p:nvSpPr>
+        <p:spPr/>
+        <p:txBody>
+          <a:bodyPr/>
+          <a:lstStyle/>
+          <a:p>
+            <a:r>
+              <a:rPr lang="en-US" dirty="0"/>
+              <a:t>Goal State</a:t>
+            </a:r>
+          </a:p>
+        </p:txBody>
+      </p:sp>
+      <p:pic>
+        <p:nvPicPr>
+          <p:cNvPr id="5" name="Content Placeholder 4" descr="A picture containing whiteboard&#10;&#10;Description automatically generated">
+            <a:extLst>
+              <a:ext uri="{FF2B5EF4-FFF2-40B4-BE49-F238E27FC236}">
+                <a16:creationId xmlns:a16="http://schemas.microsoft.com/office/drawing/2014/main" id="{DB80F85F-0311-C740-AB90-BEA6799CD005}"/>
+              </a:ext>
+            </a:extLst>
+          </p:cNvPr>
+          <p:cNvPicPr>
+            <a:picLocks noGrp="1" noChangeAspect="1"/>
+          </p:cNvPicPr>
+          <p:nvPr>
+            <p:ph idx="1"/>
+          </p:nvPr>
+        </p:nvPicPr>
+        <p:blipFill>
+          <a:blip r:embed="rId2"/>
+          <a:stretch>
+            <a:fillRect/>
+          </a:stretch>
+        </p:blipFill>
+        <p:spPr>
+          <a:xfrm>
+            <a:off x="6267903" y="1753507"/>
+            <a:ext cx="3917950" cy="3917950"/>
+          </a:xfrm>
+        </p:spPr>
+      </p:pic>
+      <p:sp>
+        <p:nvSpPr>
+          <p:cNvPr id="6" name="TextBox 5">
+            <a:extLst>
+              <a:ext uri="{FF2B5EF4-FFF2-40B4-BE49-F238E27FC236}">
+                <a16:creationId xmlns:a16="http://schemas.microsoft.com/office/drawing/2014/main" id="{609CE61E-F227-1740-8403-6A405A0CDEAB}"/>
+              </a:ext>
+            </a:extLst>
+          </p:cNvPr>
+          <p:cNvSpPr txBox="1"/>
+          <p:nvPr/>
+        </p:nvSpPr>
+        <p:spPr>
+          <a:xfrm>
+            <a:off x="1333500" y="2960914"/>
+            <a:ext cx="3434443" cy="646331"/>
+          </a:xfrm>
+          <a:prstGeom prst="rect">
+            <a:avLst/>
+          </a:prstGeom>
+          <a:noFill/>
+        </p:spPr>
+        <p:txBody>
+          <a:bodyPr wrap="square" rtlCol="0">
+            <a:spAutoFit/>
+          </a:bodyPr>
+          <a:lstStyle/>
+          <a:p>
+            <a:pPr marL="342900" indent="-342900">
+              <a:buAutoNum type="arabicPeriod"/>
+            </a:pPr>
+            <a:r>
+              <a:rPr lang="en-US" dirty="0"/>
+              <a:t>Maximum cells lit up</a:t>
+            </a:r>
+          </a:p>
+          <a:p>
+            <a:pPr marL="342900" indent="-342900">
+              <a:buAutoNum type="arabicPeriod"/>
+            </a:pPr>
+            <a:r>
+              <a:rPr lang="en-US" dirty="0"/>
+              <a:t>Minimum violations</a:t>
+            </a:r>
+          </a:p>
+        </p:txBody>
+      </p:sp>
+      <p:sp>
+        <p:nvSpPr>
+          <p:cNvPr id="7" name="TextBox 6">
+            <a:extLst>
+              <a:ext uri="{FF2B5EF4-FFF2-40B4-BE49-F238E27FC236}">
+                <a16:creationId xmlns:a16="http://schemas.microsoft.com/office/drawing/2014/main" id="{BEB99EA4-BCB0-8242-B455-0FF85AF6F629}"/>
+              </a:ext>
+            </a:extLst>
+          </p:cNvPr>
+          <p:cNvSpPr txBox="1"/>
+          <p:nvPr/>
+        </p:nvSpPr>
+        <p:spPr>
+          <a:xfrm>
+            <a:off x="1274325" y="4397765"/>
+            <a:ext cx="4821675" cy="1273692"/>
+          </a:xfrm>
+          <a:prstGeom prst="rect">
+            <a:avLst/>
+          </a:prstGeom>
+        </p:spPr>
+        <p:txBody>
+          <a:bodyPr vert="horz" lIns="91440" tIns="45720" rIns="91440" bIns="45720" rtlCol="0">
+            <a:normAutofit/>
+          </a:bodyPr>
+          <a:lstStyle/>
+          <a:p>
+            <a:pPr indent="-228600" defTabSz="914400">
+              <a:spcAft>
+                <a:spcPts val="600"/>
+              </a:spcAft>
+              <a:buSzPct val="70000"/>
+              <a:buFont typeface="Arial" panose="020B0604020202020204" pitchFamily="34" charset="0"/>
+              <a:buChar char="•"/>
+            </a:pPr>
+            <a:r>
+              <a:rPr lang="en-US" dirty="0">
+                <a:solidFill>
+                  <a:schemeClr val="tx2"/>
+                </a:solidFill>
+                <a:latin typeface="+mj-lt"/>
+              </a:rPr>
+              <a:t>Algorithms:</a:t>
+            </a:r>
+          </a:p>
+          <a:p>
+            <a:pPr indent="-228600" defTabSz="914400">
+              <a:spcAft>
+                <a:spcPts val="600"/>
+              </a:spcAft>
+              <a:buSzPct val="70000"/>
+              <a:buFont typeface="Arial" panose="020B0604020202020204" pitchFamily="34" charset="0"/>
+              <a:buChar char="•"/>
+            </a:pPr>
+            <a:r>
+              <a:rPr lang="en-US" dirty="0">
+                <a:solidFill>
+                  <a:schemeClr val="tx2"/>
+                </a:solidFill>
+                <a:latin typeface="+mj-lt"/>
+              </a:rPr>
+              <a:t>Hill climbing, Simulated annealing, and deep neural networks. </a:t>
+            </a:r>
+          </a:p>
+        </p:txBody>
+      </p:sp>
+    </p:spTree>
+    <p:extLst>
+      <p:ext uri="{BB962C8B-B14F-4D97-AF65-F5344CB8AC3E}">
+        <p14:creationId xmlns:p14="http://schemas.microsoft.com/office/powerpoint/2010/main" val="1157426013"/>
+      </p:ext>
+    </p:extLst>
+  </p:cSld>
+  <p:clrMapOvr>
+    <a:masterClrMapping/>
+  </p:clrMapOvr>
+</p:sld>
+</file>
+
+<file path=ppt/slides/slide5.xml><?xml version="1.0" encoding="utf-8"?>
+<p:sld xmlns:a="http://schemas.openxmlformats.org/drawingml/2006/main" xmlns:r="http://schemas.openxmlformats.org/officeDocument/2006/relationships" xmlns:p="http://schemas.openxmlformats.org/presentationml/2006/main">
+  <p:cSld>
     <p:bg>
       <p:bgPr>
         <a:solidFill>
@@ -5499,7 +5699,7 @@
             </a:pPr>
             <a:r>
               <a:rPr lang="en-US" sz="1600" dirty="0"/>
-              <a:t>Function:</a:t>
+              <a:t>Actions:</a:t>
             </a:r>
             <a:br>
               <a:rPr lang="en-US" sz="1600" dirty="0"/>
@@ -5599,140 +5799,6 @@
     <p:extLst>
       <p:ext uri="{BB962C8B-B14F-4D97-AF65-F5344CB8AC3E}">
         <p14:creationId xmlns:p14="http://schemas.microsoft.com/office/powerpoint/2010/main" val="925862662"/>
-      </p:ext>
-    </p:extLst>
-  </p:cSld>
-  <p:clrMapOvr>
-    <a:masterClrMapping/>
-  </p:clrMapOvr>
-</p:sld>
-</file>
-
-<file path=ppt/slides/slide5.xml><?xml version="1.0" encoding="utf-8"?>
-<p:sld xmlns:a="http://schemas.openxmlformats.org/drawingml/2006/main" xmlns:r="http://schemas.openxmlformats.org/officeDocument/2006/relationships" xmlns:p="http://schemas.openxmlformats.org/presentationml/2006/main">
-  <p:cSld>
-    <p:spTree>
-      <p:nvGrpSpPr>
-        <p:cNvPr id="1" name=""/>
-        <p:cNvGrpSpPr/>
-        <p:nvPr/>
-      </p:nvGrpSpPr>
-      <p:grpSpPr>
-        <a:xfrm>
-          <a:off x="0" y="0"/>
-          <a:ext cx="0" cy="0"/>
-          <a:chOff x="0" y="0"/>
-          <a:chExt cx="0" cy="0"/>
-        </a:xfrm>
-      </p:grpSpPr>
-      <p:sp>
-        <p:nvSpPr>
-          <p:cNvPr id="2" name="Title 1">
-            <a:extLst>
-              <a:ext uri="{FF2B5EF4-FFF2-40B4-BE49-F238E27FC236}">
-                <a16:creationId xmlns:a16="http://schemas.microsoft.com/office/drawing/2014/main" id="{10060AB7-A8F3-0643-9B7C-F5E63D37F835}"/>
-              </a:ext>
-            </a:extLst>
-          </p:cNvPr>
-          <p:cNvSpPr>
-            <a:spLocks noGrp="1"/>
-          </p:cNvSpPr>
-          <p:nvPr>
-            <p:ph type="title"/>
-          </p:nvPr>
-        </p:nvSpPr>
-        <p:spPr/>
-        <p:txBody>
-          <a:bodyPr/>
-          <a:lstStyle/>
-          <a:p>
-            <a:r>
-              <a:rPr lang="en-US" dirty="0"/>
-              <a:t>Best solution</a:t>
-            </a:r>
-          </a:p>
-        </p:txBody>
-      </p:sp>
-      <p:pic>
-        <p:nvPicPr>
-          <p:cNvPr id="5" name="Content Placeholder 4" descr="A picture containing whiteboard&#10;&#10;Description automatically generated">
-            <a:extLst>
-              <a:ext uri="{FF2B5EF4-FFF2-40B4-BE49-F238E27FC236}">
-                <a16:creationId xmlns:a16="http://schemas.microsoft.com/office/drawing/2014/main" id="{DB80F85F-0311-C740-AB90-BEA6799CD005}"/>
-              </a:ext>
-            </a:extLst>
-          </p:cNvPr>
-          <p:cNvPicPr>
-            <a:picLocks noGrp="1" noChangeAspect="1"/>
-          </p:cNvPicPr>
-          <p:nvPr>
-            <p:ph idx="1"/>
-          </p:nvPr>
-        </p:nvPicPr>
-        <p:blipFill>
-          <a:blip r:embed="rId2"/>
-          <a:stretch>
-            <a:fillRect/>
-          </a:stretch>
-        </p:blipFill>
-        <p:spPr>
-          <a:xfrm>
-            <a:off x="6267903" y="1753507"/>
-            <a:ext cx="3917950" cy="3917950"/>
-          </a:xfrm>
-        </p:spPr>
-      </p:pic>
-      <p:sp>
-        <p:nvSpPr>
-          <p:cNvPr id="6" name="TextBox 5">
-            <a:extLst>
-              <a:ext uri="{FF2B5EF4-FFF2-40B4-BE49-F238E27FC236}">
-                <a16:creationId xmlns:a16="http://schemas.microsoft.com/office/drawing/2014/main" id="{609CE61E-F227-1740-8403-6A405A0CDEAB}"/>
-              </a:ext>
-            </a:extLst>
-          </p:cNvPr>
-          <p:cNvSpPr txBox="1"/>
-          <p:nvPr/>
-        </p:nvSpPr>
-        <p:spPr>
-          <a:xfrm>
-            <a:off x="1333500" y="2960914"/>
-            <a:ext cx="3434443" cy="646331"/>
-          </a:xfrm>
-          <a:prstGeom prst="rect">
-            <a:avLst/>
-          </a:prstGeom>
-          <a:noFill/>
-        </p:spPr>
-        <p:txBody>
-          <a:bodyPr wrap="square" rtlCol="0">
-            <a:spAutoFit/>
-          </a:bodyPr>
-          <a:lstStyle/>
-          <a:p>
-            <a:pPr marL="342900" indent="-342900">
-              <a:buAutoNum type="arabicPeriod"/>
-            </a:pPr>
-            <a:r>
-              <a:rPr lang="en-US" dirty="0"/>
-              <a:t>Maximum cells lit up</a:t>
-            </a:r>
-          </a:p>
-          <a:p>
-            <a:pPr marL="342900" indent="-342900">
-              <a:buAutoNum type="arabicPeriod"/>
-            </a:pPr>
-            <a:r>
-              <a:rPr lang="en-US" dirty="0"/>
-              <a:t>Minimum violations</a:t>
-            </a:r>
-          </a:p>
-        </p:txBody>
-      </p:sp>
-    </p:spTree>
-    <p:extLst>
-      <p:ext uri="{BB962C8B-B14F-4D97-AF65-F5344CB8AC3E}">
-        <p14:creationId xmlns:p14="http://schemas.microsoft.com/office/powerpoint/2010/main" val="1157426013"/>
       </p:ext>
     </p:extLst>
   </p:cSld>

--- a/Presentation/COMP6600_Final.pptx
+++ b/Presentation/COMP6600_Final.pptx
@@ -5598,72 +5598,6 @@
           </a:prstGeom>
         </p:spPr>
       </p:pic>
-      <p:sp>
-        <p:nvSpPr>
-          <p:cNvPr id="25" name="TextBox 24">
-            <a:extLst>
-              <a:ext uri="{FF2B5EF4-FFF2-40B4-BE49-F238E27FC236}">
-                <a16:creationId xmlns:a16="http://schemas.microsoft.com/office/drawing/2014/main" id="{2402809E-C202-384C-9B42-546126FBF613}"/>
-              </a:ext>
-            </a:extLst>
-          </p:cNvPr>
-          <p:cNvSpPr txBox="1"/>
-          <p:nvPr/>
-        </p:nvSpPr>
-        <p:spPr>
-          <a:xfrm>
-            <a:off x="6701170" y="5014913"/>
-            <a:ext cx="4821675" cy="1273692"/>
-          </a:xfrm>
-          <a:prstGeom prst="rect">
-            <a:avLst/>
-          </a:prstGeom>
-        </p:spPr>
-        <p:txBody>
-          <a:bodyPr vert="horz" lIns="91440" tIns="45720" rIns="91440" bIns="45720" rtlCol="0">
-            <a:normAutofit/>
-          </a:bodyPr>
-          <a:lstStyle/>
-          <a:p>
-            <a:pPr indent="-228600" defTabSz="914400">
-              <a:spcAft>
-                <a:spcPts val="600"/>
-              </a:spcAft>
-              <a:buSzPct val="70000"/>
-              <a:buFont typeface="Arial" panose="020B0604020202020204" pitchFamily="34" charset="0"/>
-              <a:buChar char="•"/>
-            </a:pPr>
-            <a:r>
-              <a:rPr lang="en-US" dirty="0">
-                <a:solidFill>
-                  <a:schemeClr val="tx2"/>
-                </a:solidFill>
-                <a:latin typeface="+mj-lt"/>
-              </a:rPr>
-              <a:t>Algorithms:</a:t>
-            </a:r>
-          </a:p>
-          <a:p>
-            <a:pPr indent="-228600" defTabSz="914400">
-              <a:spcAft>
-                <a:spcPts val="600"/>
-              </a:spcAft>
-              <a:buSzPct val="70000"/>
-              <a:buFont typeface="Arial" panose="020B0604020202020204" pitchFamily="34" charset="0"/>
-              <a:buChar char="•"/>
-            </a:pPr>
-            <a:r>
-              <a:rPr lang="en-US" dirty="0">
-                <a:solidFill>
-                  <a:schemeClr val="tx2"/>
-                </a:solidFill>
-                <a:latin typeface="+mj-lt"/>
-              </a:rPr>
-              <a:t>Hill climbing, Simulated annealing, and deep neural networks. </a:t>
-            </a:r>
-          </a:p>
-        </p:txBody>
-      </p:sp>
       <p:sp>
         <p:nvSpPr>
           <p:cNvPr id="3" name="TextBox 2">

--- a/Presentation/COMP6600_Final.pptx
+++ b/Presentation/COMP6600_Final.pptx
@@ -203,7 +203,7 @@
           <a:p>
             <a:fld id="{40040931-509E-47A8-B122-AD23DB09FD63}" type="datetimeFigureOut">
               <a:rPr lang="en-US" smtClean="0"/>
-              <a:t>10/18/20</a:t>
+              <a:t>10/18/2020</a:t>
             </a:fld>
             <a:endParaRPr lang="en-US"/>
           </a:p>
@@ -856,7 +856,7 @@
           <a:p>
             <a:fld id="{23FEA57E-7C1A-457B-A4CD-5DCEB057B502}" type="datetime1">
               <a:rPr lang="en-US" smtClean="0"/>
-              <a:t>10/18/20</a:t>
+              <a:t>10/18/2020</a:t>
             </a:fld>
             <a:endParaRPr lang="en-US" dirty="0"/>
           </a:p>
@@ -1059,7 +1059,7 @@
           <a:p>
             <a:fld id="{11789749-A4CD-447F-8298-2B7988C91CEA}" type="datetime1">
               <a:rPr lang="en-US" smtClean="0"/>
-              <a:t>10/18/20</a:t>
+              <a:t>10/18/2020</a:t>
             </a:fld>
             <a:endParaRPr lang="en-US"/>
           </a:p>
@@ -1270,7 +1270,7 @@
           <a:p>
             <a:fld id="{BA0444D3-C0BA-4587-A56C-581AB9F841BE}" type="datetime1">
               <a:rPr lang="en-US" smtClean="0"/>
-              <a:t>10/18/20</a:t>
+              <a:t>10/18/2020</a:t>
             </a:fld>
             <a:endParaRPr lang="en-US"/>
           </a:p>
@@ -1484,7 +1484,7 @@
           <a:p>
             <a:fld id="{201AF2CE-4F37-411C-A3EE-BBBE223265BF}" type="datetime1">
               <a:rPr lang="en-US" smtClean="0"/>
-              <a:t>10/18/20</a:t>
+              <a:t>10/18/2020</a:t>
             </a:fld>
             <a:endParaRPr lang="en-US"/>
           </a:p>
@@ -1765,7 +1765,7 @@
           <a:p>
             <a:fld id="{C96083D4-708C-4BB5-B4FD-30CE9FA12FD5}" type="datetime1">
               <a:rPr lang="en-US" smtClean="0"/>
-              <a:t>10/18/20</a:t>
+              <a:t>10/18/2020</a:t>
             </a:fld>
             <a:endParaRPr lang="en-US"/>
           </a:p>
@@ -2045,7 +2045,7 @@
           <a:p>
             <a:fld id="{D0D239B2-65BC-4C2A-A62B-3EABFE9590E4}" type="datetime1">
               <a:rPr lang="en-US" smtClean="0"/>
-              <a:t>10/18/20</a:t>
+              <a:t>10/18/2020</a:t>
             </a:fld>
             <a:endParaRPr lang="en-US"/>
           </a:p>
@@ -2467,7 +2467,7 @@
           <a:p>
             <a:fld id="{85E05F5A-E4A3-476F-A89E-C2B73F2431E4}" type="datetime1">
               <a:rPr lang="en-US" smtClean="0"/>
-              <a:t>10/18/20</a:t>
+              <a:t>10/18/2020</a:t>
             </a:fld>
             <a:endParaRPr lang="en-US"/>
           </a:p>
@@ -2612,7 +2612,7 @@
           <a:p>
             <a:fld id="{E3761515-4A26-4F31-9F61-5A10B1FABBFC}" type="datetime1">
               <a:rPr lang="en-US" smtClean="0"/>
-              <a:t>10/18/20</a:t>
+              <a:t>10/18/2020</a:t>
             </a:fld>
             <a:endParaRPr lang="en-US"/>
           </a:p>
@@ -2728,7 +2728,7 @@
           <a:p>
             <a:fld id="{4A75DC65-7D1F-4BAB-9695-F7E734143E14}" type="datetime1">
               <a:rPr lang="en-US" smtClean="0"/>
-              <a:t>10/18/20</a:t>
+              <a:t>10/18/2020</a:t>
             </a:fld>
             <a:endParaRPr lang="en-US"/>
           </a:p>
@@ -3042,7 +3042,7 @@
           <a:p>
             <a:fld id="{7E624077-BD55-4036-8E92-6558FDF3B653}" type="datetime1">
               <a:rPr lang="en-US" smtClean="0"/>
-              <a:t>10/18/20</a:t>
+              <a:t>10/18/2020</a:t>
             </a:fld>
             <a:endParaRPr lang="en-US"/>
           </a:p>
@@ -3336,7 +3336,7 @@
           <a:p>
             <a:fld id="{804225F2-7107-4609-BCC2-77C63064A5E8}" type="datetime1">
               <a:rPr lang="en-US" smtClean="0"/>
-              <a:t>10/18/20</a:t>
+              <a:t>10/18/2020</a:t>
             </a:fld>
             <a:endParaRPr lang="en-US"/>
           </a:p>
@@ -3584,7 +3584,7 @@
           <a:p>
             <a:fld id="{D3FE42E8-8B57-452D-A122-4DCE9AC771EF}" type="datetime1">
               <a:rPr lang="en-US" smtClean="0"/>
-              <a:t>10/18/20</a:t>
+              <a:t>10/18/2020</a:t>
             </a:fld>
             <a:endParaRPr lang="en-US"/>
           </a:p>
@@ -4183,13 +4183,13 @@
         </p:nvSpPr>
         <p:spPr>
           <a:xfrm>
-            <a:off x="1637552" y="1371599"/>
-            <a:ext cx="5020236" cy="2360429"/>
+            <a:off x="1566582" y="1207509"/>
+            <a:ext cx="5020236" cy="2221491"/>
           </a:xfrm>
         </p:spPr>
         <p:txBody>
           <a:bodyPr>
-            <a:normAutofit/>
+            <a:normAutofit fontScale="90000"/>
           </a:bodyPr>
           <a:lstStyle/>
           <a:p>
@@ -4199,7 +4199,7 @@
                   <a:schemeClr val="bg2"/>
                 </a:solidFill>
               </a:rPr>
-              <a:t>Hill Climbing Implement on Light-up puzzle</a:t>
+              <a:t>Shedding Some Light on the Light-Up Puzzle with Artificial Intelligence</a:t>
             </a:r>
           </a:p>
         </p:txBody>
@@ -4222,13 +4222,13 @@
         </p:nvSpPr>
         <p:spPr>
           <a:xfrm>
-            <a:off x="1371600" y="4114800"/>
-            <a:ext cx="5410200" cy="1371601"/>
+            <a:off x="1371600" y="3429000"/>
+            <a:ext cx="5410200" cy="456234"/>
           </a:xfrm>
         </p:spPr>
         <p:txBody>
           <a:bodyPr>
-            <a:normAutofit/>
+            <a:normAutofit lnSpcReduction="10000"/>
           </a:bodyPr>
           <a:lstStyle/>
           <a:p>
@@ -4238,7 +4238,7 @@
                   <a:schemeClr val="bg1"/>
                 </a:solidFill>
               </a:rPr>
-              <a:t>COMP6600 Final Project</a:t>
+              <a:t>COMP 6600/6606 Final Project</a:t>
             </a:r>
           </a:p>
         </p:txBody>
@@ -4286,7 +4286,7 @@
         </p:nvSpPr>
         <p:spPr>
           <a:xfrm>
-            <a:off x="2947530" y="4800600"/>
+            <a:off x="2353838" y="4573273"/>
             <a:ext cx="3445726" cy="1077218"/>
           </a:xfrm>
           <a:prstGeom prst="rect">
@@ -4300,7 +4300,7 @@
           </a:bodyPr>
           <a:lstStyle/>
           <a:p>
-            <a:pPr>
+            <a:pPr algn="ctr">
               <a:spcAft>
                 <a:spcPts val="600"/>
               </a:spcAft>
@@ -4311,11 +4311,11 @@
                   <a:srgbClr val="FFFF00"/>
                 </a:solidFill>
               </a:rPr>
-              <a:t>James Browning </a:t>
-            </a:r>
-          </a:p>
-          <a:p>
-            <a:pPr>
+              <a:t>James Browning</a:t>
+            </a:r>
+          </a:p>
+          <a:p>
+            <a:pPr algn="ctr">
               <a:spcAft>
                 <a:spcPts val="600"/>
               </a:spcAft>
@@ -4326,11 +4326,27 @@
                   <a:srgbClr val="FFFF00"/>
                 </a:solidFill>
               </a:rPr>
-              <a:t>Roberto Perera Aguiar </a:t>
-            </a:r>
-          </a:p>
-          <a:p>
-            <a:pPr>
+              <a:t>Roberto </a:t>
+            </a:r>
+            <a:r>
+              <a:rPr lang="en-US" dirty="0" err="1">
+                <a:solidFill>
+                  <a:srgbClr val="FFFF00"/>
+                </a:solidFill>
+              </a:rPr>
+              <a:t>Perera</a:t>
+            </a:r>
+            <a:r>
+              <a:rPr lang="en-US" dirty="0">
+                <a:solidFill>
+                  <a:srgbClr val="FFFF00"/>
+                </a:solidFill>
+              </a:rPr>
+              <a:t> Aguiar</a:t>
+            </a:r>
+          </a:p>
+          <a:p>
+            <a:pPr algn="ctr">
               <a:spcAft>
                 <a:spcPts val="600"/>
               </a:spcAft>
@@ -4349,7 +4365,7 @@
                   <a:srgbClr val="FFFF00"/>
                 </a:solidFill>
               </a:rPr>
-              <a:t> Sun </a:t>
+              <a:t> Sun</a:t>
             </a:r>
           </a:p>
         </p:txBody>
@@ -4655,7 +4671,7 @@
           <a:p>
             <a:pPr algn="ctr"/>
             <a:r>
-              <a:rPr lang="en-US" kern="1200" cap="all" spc="300" baseline="0">
+              <a:rPr lang="en-US" kern="1200" cap="all" spc="300" baseline="0" dirty="0">
                 <a:solidFill>
                   <a:schemeClr val="tx2"/>
                 </a:solidFill>
@@ -4665,14 +4681,6 @@
               </a:rPr>
               <a:t>Initial puzzle</a:t>
             </a:r>
-            <a:endParaRPr lang="en-US" kern="1200" cap="all" spc="300" baseline="0" dirty="0">
-              <a:solidFill>
-                <a:schemeClr val="tx2"/>
-              </a:solidFill>
-              <a:latin typeface="+mj-lt"/>
-              <a:ea typeface="+mj-ea"/>
-              <a:cs typeface="+mj-cs"/>
-            </a:endParaRPr>
           </a:p>
         </p:txBody>
       </p:sp>
@@ -4923,7 +4931,7 @@
         </p:spPr>
         <p:txBody>
           <a:bodyPr vert="horz" lIns="91440" tIns="45720" rIns="91440" bIns="45720" rtlCol="0">
-            <a:normAutofit fontScale="70000" lnSpcReduction="20000"/>
+            <a:normAutofit fontScale="62500" lnSpcReduction="20000"/>
           </a:bodyPr>
           <a:lstStyle/>
           <a:p>
@@ -4941,6 +4949,23 @@
                 <a:latin typeface="+mj-lt"/>
               </a:rPr>
               <a:t>Violations</a:t>
+            </a:r>
+          </a:p>
+          <a:p>
+            <a:pPr marL="114300" defTabSz="914400">
+              <a:spcAft>
+                <a:spcPts val="600"/>
+              </a:spcAft>
+              <a:buSzPct val="70000"/>
+            </a:pPr>
+            <a:r>
+              <a:rPr lang="en-US" sz="4000" dirty="0">
+                <a:solidFill>
+                  <a:srgbClr val="7030A0"/>
+                </a:solidFill>
+                <a:latin typeface="+mj-lt"/>
+              </a:rPr>
+              <a:t>Rule violations include…</a:t>
             </a:r>
           </a:p>
           <a:p>
@@ -4959,7 +4984,7 @@
                 </a:solidFill>
                 <a:latin typeface="+mj-lt"/>
               </a:rPr>
-              <a:t>No two light bulbs shine on each other. </a:t>
+              <a:t>Two bulbs shining on each other.</a:t>
             </a:r>
           </a:p>
           <a:p>
@@ -4978,40 +5003,8 @@
                 </a:solidFill>
                 <a:latin typeface="+mj-lt"/>
               </a:rPr>
-              <a:t>The numbers black cell adjacency  </a:t>
-            </a:r>
-          </a:p>
-          <a:p>
-            <a:pPr marL="342900" indent="-228600" defTabSz="914400">
-              <a:spcAft>
-                <a:spcPts val="600"/>
-              </a:spcAft>
-              <a:buSzPct val="70000"/>
-              <a:buFont typeface="Arial" panose="020B0604020202020204" pitchFamily="34" charset="0"/>
-              <a:buChar char="•"/>
-            </a:pPr>
-            <a:endParaRPr lang="en-US" dirty="0">
-              <a:solidFill>
-                <a:schemeClr val="tx2"/>
-              </a:solidFill>
-              <a:latin typeface="+mj-lt"/>
-            </a:endParaRPr>
-          </a:p>
-          <a:p>
-            <a:pPr indent="-228600" defTabSz="914400">
-              <a:spcAft>
-                <a:spcPts val="600"/>
-              </a:spcAft>
-              <a:buSzPct val="70000"/>
-              <a:buFont typeface="Arial" panose="020B0604020202020204" pitchFamily="34" charset="0"/>
-              <a:buChar char="•"/>
-            </a:pPr>
-            <a:endParaRPr lang="en-US" dirty="0">
-              <a:solidFill>
-                <a:schemeClr val="tx2"/>
-              </a:solidFill>
-              <a:latin typeface="+mj-lt"/>
-            </a:endParaRPr>
+              <a:t>The number of bulbs next to a black cell not being equal to the number inside that cell.</a:t>
+            </a:r>
           </a:p>
         </p:txBody>
       </p:sp>
@@ -5245,7 +5238,7 @@
         <p:spPr>
           <a:xfrm>
             <a:off x="1333500" y="2960914"/>
-            <a:ext cx="3434443" cy="646331"/>
+            <a:ext cx="3434443" cy="1200329"/>
           </a:xfrm>
           <a:prstGeom prst="rect">
             <a:avLst/>
@@ -5263,7 +5256,7 @@
             </a:pPr>
             <a:r>
               <a:rPr lang="en-US" dirty="0"/>
-              <a:t>Maximum cells lit up</a:t>
+              <a:t>Maximum number of white cells are lit up.</a:t>
             </a:r>
           </a:p>
           <a:p>
@@ -5272,7 +5265,7 @@
             </a:pPr>
             <a:r>
               <a:rPr lang="en-US" dirty="0"/>
-              <a:t>Minimum violations</a:t>
+              <a:t>Minimum number of violations made.</a:t>
             </a:r>
           </a:p>
         </p:txBody>
@@ -5291,8 +5284,8 @@
         </p:nvSpPr>
         <p:spPr>
           <a:xfrm>
-            <a:off x="1274325" y="4397765"/>
-            <a:ext cx="4821675" cy="1273692"/>
+            <a:off x="1486104" y="4397765"/>
+            <a:ext cx="3129233" cy="1273692"/>
           </a:xfrm>
           <a:prstGeom prst="rect">
             <a:avLst/>
@@ -5300,9 +5293,26 @@
         </p:spPr>
         <p:txBody>
           <a:bodyPr vert="horz" lIns="91440" tIns="45720" rIns="91440" bIns="45720" rtlCol="0">
-            <a:normAutofit/>
+            <a:normAutofit fontScale="92500" lnSpcReduction="10000"/>
           </a:bodyPr>
           <a:lstStyle/>
+          <a:p>
+            <a:pPr defTabSz="914400">
+              <a:spcAft>
+                <a:spcPts val="600"/>
+              </a:spcAft>
+              <a:buSzPct val="70000"/>
+            </a:pPr>
+            <a:r>
+              <a:rPr lang="en-US" dirty="0">
+                <a:solidFill>
+                  <a:schemeClr val="tx2"/>
+                </a:solidFill>
+                <a:latin typeface="+mj-lt"/>
+              </a:rPr>
+              <a:t>Algorithms to be used include…</a:t>
+            </a:r>
+          </a:p>
           <a:p>
             <a:pPr indent="-228600" defTabSz="914400">
               <a:spcAft>
@@ -5319,7 +5329,7 @@
                 </a:solidFill>
                 <a:latin typeface="+mj-lt"/>
               </a:rPr>
-              <a:t>Algorithms:</a:t>
+              <a:t>Hill climbing</a:t>
             </a:r>
           </a:p>
           <a:p>
@@ -5338,7 +5348,26 @@
                 </a:solidFill>
                 <a:latin typeface="+mj-lt"/>
               </a:rPr>
-              <a:t>Hill climbing, Simulated annealing, and deep neural networks. </a:t>
+              <a:t>Simulated annealing</a:t>
+            </a:r>
+          </a:p>
+          <a:p>
+            <a:pPr indent="-228600" defTabSz="914400">
+              <a:spcAft>
+                <a:spcPts val="600"/>
+              </a:spcAft>
+              <a:buSzPct val="70000"/>
+              <a:buFont typeface="Arial" panose="020B0604020202020204" pitchFamily="34" charset="0"/>
+              <a:buChar char="•"/>
+            </a:pPr>
+            <a:r>
+              <a:rPr lang="en-US" dirty="0">
+                <a:solidFill>
+                  <a:schemeClr val="tx2"/>
+                </a:solidFill>
+                <a:latin typeface="+mj-lt"/>
+              </a:rPr>
+              <a:t>Deep neural networks. </a:t>
             </a:r>
           </a:p>
         </p:txBody>
@@ -5633,14 +5662,14 @@
             </a:pPr>
             <a:r>
               <a:rPr lang="en-US" sz="1600" dirty="0"/>
-              <a:t>Actions:</a:t>
+              <a:t>Possible actions:</a:t>
             </a:r>
             <a:br>
               <a:rPr lang="en-US" sz="1600" dirty="0"/>
             </a:br>
             <a:r>
               <a:rPr lang="en-US" sz="1600" dirty="0"/>
-              <a:t>1.Removing a bulb from a cell</a:t>
+              <a:t>1. Removing a bulb from a cell.</a:t>
             </a:r>
           </a:p>
           <a:p>
@@ -5651,7 +5680,7 @@
             </a:pPr>
             <a:r>
               <a:rPr lang="en-US" sz="1600" dirty="0"/>
-              <a:t>2. Adding a bulb into an empty cell</a:t>
+              <a:t>2.  Adding a bulb into an empty cell.</a:t>
             </a:r>
           </a:p>
           <a:p>
@@ -5662,7 +5691,7 @@
             </a:pPr>
             <a:r>
               <a:rPr lang="en-US" sz="1600" dirty="0"/>
-              <a:t>3. Moving a bulb from one cell to another empty cell</a:t>
+              <a:t>3. Moving a bulb from one cell to another empty cell.</a:t>
             </a:r>
           </a:p>
         </p:txBody>
@@ -5702,7 +5731,7 @@
             </a:pPr>
             <a:r>
               <a:rPr lang="en-US" dirty="0"/>
-              <a:t>Fitness score: </a:t>
+              <a:t>Fitness score:</a:t>
             </a:r>
           </a:p>
           <a:p>
@@ -6031,7 +6060,7 @@
             </a:r>
             <a:r>
               <a:rPr lang="en-US" altLang="en-US" sz="2800" b="0" dirty="0"/>
-              <a:t>), …. </a:t>
+              <a:t>), …</a:t>
             </a:r>
           </a:p>
           <a:p>
@@ -6064,7 +6093,7 @@
             </a:r>
             <a:r>
               <a:rPr lang="en-US" altLang="en-US" sz="2800" b="0" dirty="0"/>
-              <a:t> (for every node) to make: </a:t>
+              <a:t> (for every node) to make:</a:t>
             </a:r>
           </a:p>
           <a:p>
@@ -6097,18 +6126,8 @@
             </a:pPr>
             <a:r>
               <a:rPr lang="en-US" altLang="en-US" sz="2800" b="0" dirty="0"/>
-              <a:t>(Use gradient descent. “Backpropagation” algorithm. Susceptible to local optima.)  </a:t>
-            </a:r>
-          </a:p>
-          <a:p>
-            <a:pPr>
-              <a:spcBef>
-                <a:spcPct val="0"/>
-              </a:spcBef>
-              <a:buFontTx/>
-              <a:buNone/>
-            </a:pPr>
-            <a:endParaRPr lang="en-US" altLang="en-US" sz="2800" dirty="0"/>
+              <a:t>(Use gradient descent. “Backpropagation” algorithm. Susceptible to local optima.)</a:t>
+            </a:r>
           </a:p>
         </p:txBody>
       </p:sp>
@@ -7129,7 +7148,7 @@
         </p:spPr>
         <p:txBody>
           <a:bodyPr>
-            <a:normAutofit lnSpcReduction="10000"/>
+            <a:normAutofit/>
           </a:bodyPr>
           <a:lstStyle/>
           <a:p>
@@ -7142,7 +7161,7 @@
             </a:pPr>
             <a:r>
               <a:rPr lang="en-US" altLang="en-US" sz="2000" b="0" dirty="0"/>
-              <a:t>Once the Simulated Annealing AI algorithm has been successfully developed, the goal is to:</a:t>
+              <a:t>Once the simulated annealing algorithm has been successfully developed, our goal is to:</a:t>
             </a:r>
           </a:p>
           <a:p>
@@ -7175,19 +7194,9 @@
               <a:buFont typeface="+mj-lt"/>
               <a:buAutoNum type="arabicPeriod"/>
             </a:pPr>
-            <a:endParaRPr lang="en-US" altLang="en-US" sz="1600" b="0" dirty="0"/>
-          </a:p>
-          <a:p>
-            <a:pPr marL="800100" lvl="1" indent="-342900" algn="just">
-              <a:spcBef>
-                <a:spcPct val="0"/>
-              </a:spcBef>
-              <a:buFont typeface="+mj-lt"/>
-              <a:buAutoNum type="arabicPeriod"/>
-            </a:pPr>
             <a:r>
               <a:rPr lang="en-US" altLang="en-US" sz="1600" b="0" dirty="0"/>
-              <a:t> Use Deep Neural Networks to predict the Solution </a:t>
+              <a:t>Use Deep Neural Networks to predict the Solution </a:t>
             </a:r>
             <a:r>
               <a:rPr lang="en-US" altLang="en-US" sz="1600" dirty="0"/>
